--- a/Figures/Figure6/Figure6_PC3_LakeColor_compiled.pptx
+++ b/Figures/Figure6/Figure6_PC3_LakeColor_compiled.pptx
@@ -2,15 +2,16 @@
 <file path=ppt/presentation.xml><?xml version="1.0" encoding="utf-8"?>
 <p:presentation xmlns:a="http://schemas.openxmlformats.org/drawingml/2006/main" xmlns:r="http://schemas.openxmlformats.org/officeDocument/2006/relationships" xmlns:p="http://schemas.openxmlformats.org/presentationml/2006/main" saveSubsetFonts="1" autoCompressPictures="0">
   <p:sldMasterIdLst>
-    <p:sldMasterId id="2147483672" r:id="rId1"/>
+    <p:sldMasterId id="2147483684" r:id="rId1"/>
   </p:sldMasterIdLst>
   <p:notesMasterIdLst>
-    <p:notesMasterId r:id="rId3"/>
+    <p:notesMasterId r:id="rId4"/>
   </p:notesMasterIdLst>
   <p:sldIdLst>
     <p:sldId id="256" r:id="rId2"/>
+    <p:sldId id="257" r:id="rId3"/>
   </p:sldIdLst>
-  <p:sldSz cx="7589838" cy="6126163"/>
+  <p:sldSz cx="7589838" cy="5668963"/>
   <p:notesSz cx="6858000" cy="9144000"/>
   <p:defaultTextStyle>
     <a:defPPr>
@@ -118,7 +119,7 @@
 <file path=ppt/revisionInfo.xml><?xml version="1.0" encoding="utf-8"?>
 <p1510:revInfo xmlns:a="http://schemas.openxmlformats.org/drawingml/2006/main" xmlns:r="http://schemas.openxmlformats.org/officeDocument/2006/relationships" xmlns:p1510="http://schemas.microsoft.com/office/powerpoint/2015/10/main">
   <p1510:revLst>
-    <p1510:client id="{44429B7F-105C-364F-A1EA-D537ADC8AE29}" v="7" dt="2024-09-10T21:38:39.249"/>
+    <p1510:client id="{995D90AF-ABC0-A446-B724-AA475D41C66A}" v="2" dt="2024-11-11T23:28:57.812"/>
   </p1510:revLst>
 </p1510:revInfo>
 </file>
@@ -301,6 +302,479 @@
       </pc:sldChg>
     </pc:docChg>
   </pc:docChgLst>
+  <pc:docChgLst>
+    <pc:chgData name="Jordan May Von Eggers" userId="2bcc5b33-6bd2-4559-ac12-5178b17ae4b3" providerId="ADAL" clId="{995D90AF-ABC0-A446-B724-AA475D41C66A}"/>
+    <pc:docChg chg="undo custSel addSld modSld modMainMaster modNotesMaster">
+      <pc:chgData name="Jordan May Von Eggers" userId="2bcc5b33-6bd2-4559-ac12-5178b17ae4b3" providerId="ADAL" clId="{995D90AF-ABC0-A446-B724-AA475D41C66A}" dt="2024-11-11T23:29:06.237" v="74" actId="1036"/>
+      <pc:docMkLst>
+        <pc:docMk/>
+      </pc:docMkLst>
+      <pc:sldChg chg="modSp modNotes">
+        <pc:chgData name="Jordan May Von Eggers" userId="2bcc5b33-6bd2-4559-ac12-5178b17ae4b3" providerId="ADAL" clId="{995D90AF-ABC0-A446-B724-AA475D41C66A}" dt="2024-11-11T23:28:57.811" v="46"/>
+        <pc:sldMkLst>
+          <pc:docMk/>
+          <pc:sldMk cId="3352965152" sldId="256"/>
+        </pc:sldMkLst>
+        <pc:spChg chg="mod">
+          <ac:chgData name="Jordan May Von Eggers" userId="2bcc5b33-6bd2-4559-ac12-5178b17ae4b3" providerId="ADAL" clId="{995D90AF-ABC0-A446-B724-AA475D41C66A}" dt="2024-11-11T23:28:57.811" v="46"/>
+          <ac:spMkLst>
+            <pc:docMk/>
+            <pc:sldMk cId="3352965152" sldId="256"/>
+            <ac:spMk id="6" creationId="{2E12263D-8095-6282-A027-27B558488DCB}"/>
+          </ac:spMkLst>
+        </pc:spChg>
+        <pc:spChg chg="mod">
+          <ac:chgData name="Jordan May Von Eggers" userId="2bcc5b33-6bd2-4559-ac12-5178b17ae4b3" providerId="ADAL" clId="{995D90AF-ABC0-A446-B724-AA475D41C66A}" dt="2024-11-11T23:28:57.811" v="46"/>
+          <ac:spMkLst>
+            <pc:docMk/>
+            <pc:sldMk cId="3352965152" sldId="256"/>
+            <ac:spMk id="7" creationId="{DEA0F83E-8CEF-7F56-2AA8-A6A4582B7F8A}"/>
+          </ac:spMkLst>
+        </pc:spChg>
+        <pc:spChg chg="mod">
+          <ac:chgData name="Jordan May Von Eggers" userId="2bcc5b33-6bd2-4559-ac12-5178b17ae4b3" providerId="ADAL" clId="{995D90AF-ABC0-A446-B724-AA475D41C66A}" dt="2024-11-11T23:28:57.811" v="46"/>
+          <ac:spMkLst>
+            <pc:docMk/>
+            <pc:sldMk cId="3352965152" sldId="256"/>
+            <ac:spMk id="9" creationId="{A2EE1F2E-240F-BA93-6CB7-EA55BB78A007}"/>
+          </ac:spMkLst>
+        </pc:spChg>
+        <pc:spChg chg="mod">
+          <ac:chgData name="Jordan May Von Eggers" userId="2bcc5b33-6bd2-4559-ac12-5178b17ae4b3" providerId="ADAL" clId="{995D90AF-ABC0-A446-B724-AA475D41C66A}" dt="2024-11-11T23:28:57.811" v="46"/>
+          <ac:spMkLst>
+            <pc:docMk/>
+            <pc:sldMk cId="3352965152" sldId="256"/>
+            <ac:spMk id="10" creationId="{AC7FAE4E-BAA6-AF68-EC56-278EEB5D0783}"/>
+          </ac:spMkLst>
+        </pc:spChg>
+        <pc:spChg chg="mod">
+          <ac:chgData name="Jordan May Von Eggers" userId="2bcc5b33-6bd2-4559-ac12-5178b17ae4b3" providerId="ADAL" clId="{995D90AF-ABC0-A446-B724-AA475D41C66A}" dt="2024-11-11T23:28:57.811" v="46"/>
+          <ac:spMkLst>
+            <pc:docMk/>
+            <pc:sldMk cId="3352965152" sldId="256"/>
+            <ac:spMk id="17" creationId="{78E1ACC1-1BF7-272F-F28B-F79F8BCD74C5}"/>
+          </ac:spMkLst>
+        </pc:spChg>
+        <pc:spChg chg="mod">
+          <ac:chgData name="Jordan May Von Eggers" userId="2bcc5b33-6bd2-4559-ac12-5178b17ae4b3" providerId="ADAL" clId="{995D90AF-ABC0-A446-B724-AA475D41C66A}" dt="2024-11-11T23:28:57.811" v="46"/>
+          <ac:spMkLst>
+            <pc:docMk/>
+            <pc:sldMk cId="3352965152" sldId="256"/>
+            <ac:spMk id="18" creationId="{A219D5D2-CAF6-6CD1-4248-7E9761C4941D}"/>
+          </ac:spMkLst>
+        </pc:spChg>
+        <pc:spChg chg="mod">
+          <ac:chgData name="Jordan May Von Eggers" userId="2bcc5b33-6bd2-4559-ac12-5178b17ae4b3" providerId="ADAL" clId="{995D90AF-ABC0-A446-B724-AA475D41C66A}" dt="2024-11-11T23:28:57.811" v="46"/>
+          <ac:spMkLst>
+            <pc:docMk/>
+            <pc:sldMk cId="3352965152" sldId="256"/>
+            <ac:spMk id="19" creationId="{1BD31BA3-69C8-FEAA-AF2C-CABDB83CF01C}"/>
+          </ac:spMkLst>
+        </pc:spChg>
+        <pc:spChg chg="mod">
+          <ac:chgData name="Jordan May Von Eggers" userId="2bcc5b33-6bd2-4559-ac12-5178b17ae4b3" providerId="ADAL" clId="{995D90AF-ABC0-A446-B724-AA475D41C66A}" dt="2024-11-11T23:28:57.811" v="46"/>
+          <ac:spMkLst>
+            <pc:docMk/>
+            <pc:sldMk cId="3352965152" sldId="256"/>
+            <ac:spMk id="20" creationId="{3693EDCF-372E-FD56-A881-083FCF27316F}"/>
+          </ac:spMkLst>
+        </pc:spChg>
+        <pc:spChg chg="mod">
+          <ac:chgData name="Jordan May Von Eggers" userId="2bcc5b33-6bd2-4559-ac12-5178b17ae4b3" providerId="ADAL" clId="{995D90AF-ABC0-A446-B724-AA475D41C66A}" dt="2024-11-11T23:28:57.811" v="46"/>
+          <ac:spMkLst>
+            <pc:docMk/>
+            <pc:sldMk cId="3352965152" sldId="256"/>
+            <ac:spMk id="23" creationId="{2741EC48-B0C1-B1B6-7B3C-47FE24BA1066}"/>
+          </ac:spMkLst>
+        </pc:spChg>
+        <pc:spChg chg="mod">
+          <ac:chgData name="Jordan May Von Eggers" userId="2bcc5b33-6bd2-4559-ac12-5178b17ae4b3" providerId="ADAL" clId="{995D90AF-ABC0-A446-B724-AA475D41C66A}" dt="2024-11-11T23:28:57.811" v="46"/>
+          <ac:spMkLst>
+            <pc:docMk/>
+            <pc:sldMk cId="3352965152" sldId="256"/>
+            <ac:spMk id="24" creationId="{6BDBC920-A8F6-3EA8-1060-8E21E89BE663}"/>
+          </ac:spMkLst>
+        </pc:spChg>
+        <pc:picChg chg="mod">
+          <ac:chgData name="Jordan May Von Eggers" userId="2bcc5b33-6bd2-4559-ac12-5178b17ae4b3" providerId="ADAL" clId="{995D90AF-ABC0-A446-B724-AA475D41C66A}" dt="2024-11-11T23:28:57.811" v="46"/>
+          <ac:picMkLst>
+            <pc:docMk/>
+            <pc:sldMk cId="3352965152" sldId="256"/>
+            <ac:picMk id="5" creationId="{06DA8C61-EC65-D54A-169F-875A718FD113}"/>
+          </ac:picMkLst>
+        </pc:picChg>
+      </pc:sldChg>
+      <pc:sldChg chg="delSp modSp add mod modNotes">
+        <pc:chgData name="Jordan May Von Eggers" userId="2bcc5b33-6bd2-4559-ac12-5178b17ae4b3" providerId="ADAL" clId="{995D90AF-ABC0-A446-B724-AA475D41C66A}" dt="2024-11-11T23:29:06.237" v="74" actId="1036"/>
+        <pc:sldMkLst>
+          <pc:docMk/>
+          <pc:sldMk cId="2698683227" sldId="257"/>
+        </pc:sldMkLst>
+        <pc:spChg chg="mod">
+          <ac:chgData name="Jordan May Von Eggers" userId="2bcc5b33-6bd2-4559-ac12-5178b17ae4b3" providerId="ADAL" clId="{995D90AF-ABC0-A446-B724-AA475D41C66A}" dt="2024-11-11T23:29:06.237" v="74" actId="1036"/>
+          <ac:spMkLst>
+            <pc:docMk/>
+            <pc:sldMk cId="2698683227" sldId="257"/>
+            <ac:spMk id="6" creationId="{8EFFFD72-B4F5-BC06-CF55-CE405BB24B36}"/>
+          </ac:spMkLst>
+        </pc:spChg>
+        <pc:spChg chg="mod">
+          <ac:chgData name="Jordan May Von Eggers" userId="2bcc5b33-6bd2-4559-ac12-5178b17ae4b3" providerId="ADAL" clId="{995D90AF-ABC0-A446-B724-AA475D41C66A}" dt="2024-11-11T23:29:06.237" v="74" actId="1036"/>
+          <ac:spMkLst>
+            <pc:docMk/>
+            <pc:sldMk cId="2698683227" sldId="257"/>
+            <ac:spMk id="7" creationId="{63A3D92D-11A2-B669-B890-7C70CBC890BD}"/>
+          </ac:spMkLst>
+        </pc:spChg>
+        <pc:spChg chg="del">
+          <ac:chgData name="Jordan May Von Eggers" userId="2bcc5b33-6bd2-4559-ac12-5178b17ae4b3" providerId="ADAL" clId="{995D90AF-ABC0-A446-B724-AA475D41C66A}" dt="2024-11-11T23:28:18.566" v="45" actId="478"/>
+          <ac:spMkLst>
+            <pc:docMk/>
+            <pc:sldMk cId="2698683227" sldId="257"/>
+            <ac:spMk id="9" creationId="{6EED9547-0FB6-9A3E-7358-FB9A0B5A5DEE}"/>
+          </ac:spMkLst>
+        </pc:spChg>
+        <pc:spChg chg="mod">
+          <ac:chgData name="Jordan May Von Eggers" userId="2bcc5b33-6bd2-4559-ac12-5178b17ae4b3" providerId="ADAL" clId="{995D90AF-ABC0-A446-B724-AA475D41C66A}" dt="2024-11-11T23:29:06.237" v="74" actId="1036"/>
+          <ac:spMkLst>
+            <pc:docMk/>
+            <pc:sldMk cId="2698683227" sldId="257"/>
+            <ac:spMk id="10" creationId="{A8096BBE-BB8F-6B93-EC2B-7A3CA2970FF5}"/>
+          </ac:spMkLst>
+        </pc:spChg>
+        <pc:spChg chg="mod">
+          <ac:chgData name="Jordan May Von Eggers" userId="2bcc5b33-6bd2-4559-ac12-5178b17ae4b3" providerId="ADAL" clId="{995D90AF-ABC0-A446-B724-AA475D41C66A}" dt="2024-11-11T23:29:06.237" v="74" actId="1036"/>
+          <ac:spMkLst>
+            <pc:docMk/>
+            <pc:sldMk cId="2698683227" sldId="257"/>
+            <ac:spMk id="17" creationId="{F1D5B80F-9BBF-0F4F-DA8D-1C33AFD145F2}"/>
+          </ac:spMkLst>
+        </pc:spChg>
+        <pc:spChg chg="mod">
+          <ac:chgData name="Jordan May Von Eggers" userId="2bcc5b33-6bd2-4559-ac12-5178b17ae4b3" providerId="ADAL" clId="{995D90AF-ABC0-A446-B724-AA475D41C66A}" dt="2024-11-11T23:29:06.237" v="74" actId="1036"/>
+          <ac:spMkLst>
+            <pc:docMk/>
+            <pc:sldMk cId="2698683227" sldId="257"/>
+            <ac:spMk id="18" creationId="{653E929C-73FF-0D67-7AF2-313480CB9F10}"/>
+          </ac:spMkLst>
+        </pc:spChg>
+        <pc:spChg chg="del">
+          <ac:chgData name="Jordan May Von Eggers" userId="2bcc5b33-6bd2-4559-ac12-5178b17ae4b3" providerId="ADAL" clId="{995D90AF-ABC0-A446-B724-AA475D41C66A}" dt="2024-11-11T23:28:14.589" v="43" actId="478"/>
+          <ac:spMkLst>
+            <pc:docMk/>
+            <pc:sldMk cId="2698683227" sldId="257"/>
+            <ac:spMk id="19" creationId="{40F1EE36-0582-FDB7-9787-E90B99F17600}"/>
+          </ac:spMkLst>
+        </pc:spChg>
+        <pc:spChg chg="mod">
+          <ac:chgData name="Jordan May Von Eggers" userId="2bcc5b33-6bd2-4559-ac12-5178b17ae4b3" providerId="ADAL" clId="{995D90AF-ABC0-A446-B724-AA475D41C66A}" dt="2024-11-11T23:29:06.237" v="74" actId="1036"/>
+          <ac:spMkLst>
+            <pc:docMk/>
+            <pc:sldMk cId="2698683227" sldId="257"/>
+            <ac:spMk id="20" creationId="{07FE46C8-56D5-988A-47B7-619664804EDF}"/>
+          </ac:spMkLst>
+        </pc:spChg>
+        <pc:spChg chg="mod">
+          <ac:chgData name="Jordan May Von Eggers" userId="2bcc5b33-6bd2-4559-ac12-5178b17ae4b3" providerId="ADAL" clId="{995D90AF-ABC0-A446-B724-AA475D41C66A}" dt="2024-11-11T23:29:06.237" v="74" actId="1036"/>
+          <ac:spMkLst>
+            <pc:docMk/>
+            <pc:sldMk cId="2698683227" sldId="257"/>
+            <ac:spMk id="23" creationId="{8E8D77C4-E1AD-3121-2E3F-CF286B6EEED2}"/>
+          </ac:spMkLst>
+        </pc:spChg>
+        <pc:spChg chg="mod">
+          <ac:chgData name="Jordan May Von Eggers" userId="2bcc5b33-6bd2-4559-ac12-5178b17ae4b3" providerId="ADAL" clId="{995D90AF-ABC0-A446-B724-AA475D41C66A}" dt="2024-11-11T23:29:06.237" v="74" actId="1036"/>
+          <ac:spMkLst>
+            <pc:docMk/>
+            <pc:sldMk cId="2698683227" sldId="257"/>
+            <ac:spMk id="24" creationId="{B93AA88E-8AF4-9A90-27E5-61415B927307}"/>
+          </ac:spMkLst>
+        </pc:spChg>
+        <pc:picChg chg="mod">
+          <ac:chgData name="Jordan May Von Eggers" userId="2bcc5b33-6bd2-4559-ac12-5178b17ae4b3" providerId="ADAL" clId="{995D90AF-ABC0-A446-B724-AA475D41C66A}" dt="2024-11-11T23:29:06.237" v="74" actId="1036"/>
+          <ac:picMkLst>
+            <pc:docMk/>
+            <pc:sldMk cId="2698683227" sldId="257"/>
+            <ac:picMk id="5" creationId="{7E2B1650-2A0C-F891-33AD-C550A4452AFD}"/>
+          </ac:picMkLst>
+        </pc:picChg>
+      </pc:sldChg>
+      <pc:sldMasterChg chg="modSp modSldLayout">
+        <pc:chgData name="Jordan May Von Eggers" userId="2bcc5b33-6bd2-4559-ac12-5178b17ae4b3" providerId="ADAL" clId="{995D90AF-ABC0-A446-B724-AA475D41C66A}" dt="2024-11-11T23:28:57.811" v="46"/>
+        <pc:sldMasterMkLst>
+          <pc:docMk/>
+          <pc:sldMasterMk cId="3759797833" sldId="2147483672"/>
+        </pc:sldMasterMkLst>
+        <pc:spChg chg="mod">
+          <ac:chgData name="Jordan May Von Eggers" userId="2bcc5b33-6bd2-4559-ac12-5178b17ae4b3" providerId="ADAL" clId="{995D90AF-ABC0-A446-B724-AA475D41C66A}" dt="2024-11-11T23:28:57.811" v="46"/>
+          <ac:spMkLst>
+            <pc:docMk/>
+            <pc:sldMasterMk cId="3759797833" sldId="2147483672"/>
+            <ac:spMk id="2" creationId="{00000000-0000-0000-0000-000000000000}"/>
+          </ac:spMkLst>
+        </pc:spChg>
+        <pc:spChg chg="mod">
+          <ac:chgData name="Jordan May Von Eggers" userId="2bcc5b33-6bd2-4559-ac12-5178b17ae4b3" providerId="ADAL" clId="{995D90AF-ABC0-A446-B724-AA475D41C66A}" dt="2024-11-11T23:28:57.811" v="46"/>
+          <ac:spMkLst>
+            <pc:docMk/>
+            <pc:sldMasterMk cId="3759797833" sldId="2147483672"/>
+            <ac:spMk id="3" creationId="{00000000-0000-0000-0000-000000000000}"/>
+          </ac:spMkLst>
+        </pc:spChg>
+        <pc:spChg chg="mod">
+          <ac:chgData name="Jordan May Von Eggers" userId="2bcc5b33-6bd2-4559-ac12-5178b17ae4b3" providerId="ADAL" clId="{995D90AF-ABC0-A446-B724-AA475D41C66A}" dt="2024-11-11T23:28:57.811" v="46"/>
+          <ac:spMkLst>
+            <pc:docMk/>
+            <pc:sldMasterMk cId="3759797833" sldId="2147483672"/>
+            <ac:spMk id="4" creationId="{00000000-0000-0000-0000-000000000000}"/>
+          </ac:spMkLst>
+        </pc:spChg>
+        <pc:spChg chg="mod">
+          <ac:chgData name="Jordan May Von Eggers" userId="2bcc5b33-6bd2-4559-ac12-5178b17ae4b3" providerId="ADAL" clId="{995D90AF-ABC0-A446-B724-AA475D41C66A}" dt="2024-11-11T23:28:57.811" v="46"/>
+          <ac:spMkLst>
+            <pc:docMk/>
+            <pc:sldMasterMk cId="3759797833" sldId="2147483672"/>
+            <ac:spMk id="5" creationId="{00000000-0000-0000-0000-000000000000}"/>
+          </ac:spMkLst>
+        </pc:spChg>
+        <pc:spChg chg="mod">
+          <ac:chgData name="Jordan May Von Eggers" userId="2bcc5b33-6bd2-4559-ac12-5178b17ae4b3" providerId="ADAL" clId="{995D90AF-ABC0-A446-B724-AA475D41C66A}" dt="2024-11-11T23:28:57.811" v="46"/>
+          <ac:spMkLst>
+            <pc:docMk/>
+            <pc:sldMasterMk cId="3759797833" sldId="2147483672"/>
+            <ac:spMk id="6" creationId="{00000000-0000-0000-0000-000000000000}"/>
+          </ac:spMkLst>
+        </pc:spChg>
+        <pc:sldLayoutChg chg="modSp">
+          <pc:chgData name="Jordan May Von Eggers" userId="2bcc5b33-6bd2-4559-ac12-5178b17ae4b3" providerId="ADAL" clId="{995D90AF-ABC0-A446-B724-AA475D41C66A}" dt="2024-11-11T23:28:57.811" v="46"/>
+          <pc:sldLayoutMkLst>
+            <pc:docMk/>
+            <pc:sldMasterMk cId="3759797833" sldId="2147483672"/>
+            <pc:sldLayoutMk cId="3961808904" sldId="2147483673"/>
+          </pc:sldLayoutMkLst>
+          <pc:spChg chg="mod">
+            <ac:chgData name="Jordan May Von Eggers" userId="2bcc5b33-6bd2-4559-ac12-5178b17ae4b3" providerId="ADAL" clId="{995D90AF-ABC0-A446-B724-AA475D41C66A}" dt="2024-11-11T23:28:57.811" v="46"/>
+            <ac:spMkLst>
+              <pc:docMk/>
+              <pc:sldMasterMk cId="3759797833" sldId="2147483672"/>
+              <pc:sldLayoutMk cId="3961808904" sldId="2147483673"/>
+              <ac:spMk id="2" creationId="{00000000-0000-0000-0000-000000000000}"/>
+            </ac:spMkLst>
+          </pc:spChg>
+          <pc:spChg chg="mod">
+            <ac:chgData name="Jordan May Von Eggers" userId="2bcc5b33-6bd2-4559-ac12-5178b17ae4b3" providerId="ADAL" clId="{995D90AF-ABC0-A446-B724-AA475D41C66A}" dt="2024-11-11T23:28:57.811" v="46"/>
+            <ac:spMkLst>
+              <pc:docMk/>
+              <pc:sldMasterMk cId="3759797833" sldId="2147483672"/>
+              <pc:sldLayoutMk cId="3961808904" sldId="2147483673"/>
+              <ac:spMk id="3" creationId="{00000000-0000-0000-0000-000000000000}"/>
+            </ac:spMkLst>
+          </pc:spChg>
+        </pc:sldLayoutChg>
+        <pc:sldLayoutChg chg="modSp">
+          <pc:chgData name="Jordan May Von Eggers" userId="2bcc5b33-6bd2-4559-ac12-5178b17ae4b3" providerId="ADAL" clId="{995D90AF-ABC0-A446-B724-AA475D41C66A}" dt="2024-11-11T23:28:57.811" v="46"/>
+          <pc:sldLayoutMkLst>
+            <pc:docMk/>
+            <pc:sldMasterMk cId="3759797833" sldId="2147483672"/>
+            <pc:sldLayoutMk cId="409421984" sldId="2147483675"/>
+          </pc:sldLayoutMkLst>
+          <pc:spChg chg="mod">
+            <ac:chgData name="Jordan May Von Eggers" userId="2bcc5b33-6bd2-4559-ac12-5178b17ae4b3" providerId="ADAL" clId="{995D90AF-ABC0-A446-B724-AA475D41C66A}" dt="2024-11-11T23:28:57.811" v="46"/>
+            <ac:spMkLst>
+              <pc:docMk/>
+              <pc:sldMasterMk cId="3759797833" sldId="2147483672"/>
+              <pc:sldLayoutMk cId="409421984" sldId="2147483675"/>
+              <ac:spMk id="2" creationId="{00000000-0000-0000-0000-000000000000}"/>
+            </ac:spMkLst>
+          </pc:spChg>
+          <pc:spChg chg="mod">
+            <ac:chgData name="Jordan May Von Eggers" userId="2bcc5b33-6bd2-4559-ac12-5178b17ae4b3" providerId="ADAL" clId="{995D90AF-ABC0-A446-B724-AA475D41C66A}" dt="2024-11-11T23:28:57.811" v="46"/>
+            <ac:spMkLst>
+              <pc:docMk/>
+              <pc:sldMasterMk cId="3759797833" sldId="2147483672"/>
+              <pc:sldLayoutMk cId="409421984" sldId="2147483675"/>
+              <ac:spMk id="3" creationId="{00000000-0000-0000-0000-000000000000}"/>
+            </ac:spMkLst>
+          </pc:spChg>
+        </pc:sldLayoutChg>
+        <pc:sldLayoutChg chg="modSp">
+          <pc:chgData name="Jordan May Von Eggers" userId="2bcc5b33-6bd2-4559-ac12-5178b17ae4b3" providerId="ADAL" clId="{995D90AF-ABC0-A446-B724-AA475D41C66A}" dt="2024-11-11T23:28:57.811" v="46"/>
+          <pc:sldLayoutMkLst>
+            <pc:docMk/>
+            <pc:sldMasterMk cId="3759797833" sldId="2147483672"/>
+            <pc:sldLayoutMk cId="1478926016" sldId="2147483676"/>
+          </pc:sldLayoutMkLst>
+          <pc:spChg chg="mod">
+            <ac:chgData name="Jordan May Von Eggers" userId="2bcc5b33-6bd2-4559-ac12-5178b17ae4b3" providerId="ADAL" clId="{995D90AF-ABC0-A446-B724-AA475D41C66A}" dt="2024-11-11T23:28:57.811" v="46"/>
+            <ac:spMkLst>
+              <pc:docMk/>
+              <pc:sldMasterMk cId="3759797833" sldId="2147483672"/>
+              <pc:sldLayoutMk cId="1478926016" sldId="2147483676"/>
+              <ac:spMk id="3" creationId="{00000000-0000-0000-0000-000000000000}"/>
+            </ac:spMkLst>
+          </pc:spChg>
+          <pc:spChg chg="mod">
+            <ac:chgData name="Jordan May Von Eggers" userId="2bcc5b33-6bd2-4559-ac12-5178b17ae4b3" providerId="ADAL" clId="{995D90AF-ABC0-A446-B724-AA475D41C66A}" dt="2024-11-11T23:28:57.811" v="46"/>
+            <ac:spMkLst>
+              <pc:docMk/>
+              <pc:sldMasterMk cId="3759797833" sldId="2147483672"/>
+              <pc:sldLayoutMk cId="1478926016" sldId="2147483676"/>
+              <ac:spMk id="4" creationId="{00000000-0000-0000-0000-000000000000}"/>
+            </ac:spMkLst>
+          </pc:spChg>
+        </pc:sldLayoutChg>
+        <pc:sldLayoutChg chg="modSp">
+          <pc:chgData name="Jordan May Von Eggers" userId="2bcc5b33-6bd2-4559-ac12-5178b17ae4b3" providerId="ADAL" clId="{995D90AF-ABC0-A446-B724-AA475D41C66A}" dt="2024-11-11T23:28:57.811" v="46"/>
+          <pc:sldLayoutMkLst>
+            <pc:docMk/>
+            <pc:sldMasterMk cId="3759797833" sldId="2147483672"/>
+            <pc:sldLayoutMk cId="2532114237" sldId="2147483677"/>
+          </pc:sldLayoutMkLst>
+          <pc:spChg chg="mod">
+            <ac:chgData name="Jordan May Von Eggers" userId="2bcc5b33-6bd2-4559-ac12-5178b17ae4b3" providerId="ADAL" clId="{995D90AF-ABC0-A446-B724-AA475D41C66A}" dt="2024-11-11T23:28:57.811" v="46"/>
+            <ac:spMkLst>
+              <pc:docMk/>
+              <pc:sldMasterMk cId="3759797833" sldId="2147483672"/>
+              <pc:sldLayoutMk cId="2532114237" sldId="2147483677"/>
+              <ac:spMk id="2" creationId="{00000000-0000-0000-0000-000000000000}"/>
+            </ac:spMkLst>
+          </pc:spChg>
+          <pc:spChg chg="mod">
+            <ac:chgData name="Jordan May Von Eggers" userId="2bcc5b33-6bd2-4559-ac12-5178b17ae4b3" providerId="ADAL" clId="{995D90AF-ABC0-A446-B724-AA475D41C66A}" dt="2024-11-11T23:28:57.811" v="46"/>
+            <ac:spMkLst>
+              <pc:docMk/>
+              <pc:sldMasterMk cId="3759797833" sldId="2147483672"/>
+              <pc:sldLayoutMk cId="2532114237" sldId="2147483677"/>
+              <ac:spMk id="3" creationId="{00000000-0000-0000-0000-000000000000}"/>
+            </ac:spMkLst>
+          </pc:spChg>
+          <pc:spChg chg="mod">
+            <ac:chgData name="Jordan May Von Eggers" userId="2bcc5b33-6bd2-4559-ac12-5178b17ae4b3" providerId="ADAL" clId="{995D90AF-ABC0-A446-B724-AA475D41C66A}" dt="2024-11-11T23:28:57.811" v="46"/>
+            <ac:spMkLst>
+              <pc:docMk/>
+              <pc:sldMasterMk cId="3759797833" sldId="2147483672"/>
+              <pc:sldLayoutMk cId="2532114237" sldId="2147483677"/>
+              <ac:spMk id="4" creationId="{00000000-0000-0000-0000-000000000000}"/>
+            </ac:spMkLst>
+          </pc:spChg>
+          <pc:spChg chg="mod">
+            <ac:chgData name="Jordan May Von Eggers" userId="2bcc5b33-6bd2-4559-ac12-5178b17ae4b3" providerId="ADAL" clId="{995D90AF-ABC0-A446-B724-AA475D41C66A}" dt="2024-11-11T23:28:57.811" v="46"/>
+            <ac:spMkLst>
+              <pc:docMk/>
+              <pc:sldMasterMk cId="3759797833" sldId="2147483672"/>
+              <pc:sldLayoutMk cId="2532114237" sldId="2147483677"/>
+              <ac:spMk id="5" creationId="{00000000-0000-0000-0000-000000000000}"/>
+            </ac:spMkLst>
+          </pc:spChg>
+          <pc:spChg chg="mod">
+            <ac:chgData name="Jordan May Von Eggers" userId="2bcc5b33-6bd2-4559-ac12-5178b17ae4b3" providerId="ADAL" clId="{995D90AF-ABC0-A446-B724-AA475D41C66A}" dt="2024-11-11T23:28:57.811" v="46"/>
+            <ac:spMkLst>
+              <pc:docMk/>
+              <pc:sldMasterMk cId="3759797833" sldId="2147483672"/>
+              <pc:sldLayoutMk cId="2532114237" sldId="2147483677"/>
+              <ac:spMk id="6" creationId="{00000000-0000-0000-0000-000000000000}"/>
+            </ac:spMkLst>
+          </pc:spChg>
+        </pc:sldLayoutChg>
+        <pc:sldLayoutChg chg="modSp">
+          <pc:chgData name="Jordan May Von Eggers" userId="2bcc5b33-6bd2-4559-ac12-5178b17ae4b3" providerId="ADAL" clId="{995D90AF-ABC0-A446-B724-AA475D41C66A}" dt="2024-11-11T23:28:57.811" v="46"/>
+          <pc:sldLayoutMkLst>
+            <pc:docMk/>
+            <pc:sldMasterMk cId="3759797833" sldId="2147483672"/>
+            <pc:sldLayoutMk cId="1824315900" sldId="2147483680"/>
+          </pc:sldLayoutMkLst>
+          <pc:spChg chg="mod">
+            <ac:chgData name="Jordan May Von Eggers" userId="2bcc5b33-6bd2-4559-ac12-5178b17ae4b3" providerId="ADAL" clId="{995D90AF-ABC0-A446-B724-AA475D41C66A}" dt="2024-11-11T23:28:57.811" v="46"/>
+            <ac:spMkLst>
+              <pc:docMk/>
+              <pc:sldMasterMk cId="3759797833" sldId="2147483672"/>
+              <pc:sldLayoutMk cId="1824315900" sldId="2147483680"/>
+              <ac:spMk id="2" creationId="{00000000-0000-0000-0000-000000000000}"/>
+            </ac:spMkLst>
+          </pc:spChg>
+          <pc:spChg chg="mod">
+            <ac:chgData name="Jordan May Von Eggers" userId="2bcc5b33-6bd2-4559-ac12-5178b17ae4b3" providerId="ADAL" clId="{995D90AF-ABC0-A446-B724-AA475D41C66A}" dt="2024-11-11T23:28:57.811" v="46"/>
+            <ac:spMkLst>
+              <pc:docMk/>
+              <pc:sldMasterMk cId="3759797833" sldId="2147483672"/>
+              <pc:sldLayoutMk cId="1824315900" sldId="2147483680"/>
+              <ac:spMk id="3" creationId="{00000000-0000-0000-0000-000000000000}"/>
+            </ac:spMkLst>
+          </pc:spChg>
+          <pc:spChg chg="mod">
+            <ac:chgData name="Jordan May Von Eggers" userId="2bcc5b33-6bd2-4559-ac12-5178b17ae4b3" providerId="ADAL" clId="{995D90AF-ABC0-A446-B724-AA475D41C66A}" dt="2024-11-11T23:28:57.811" v="46"/>
+            <ac:spMkLst>
+              <pc:docMk/>
+              <pc:sldMasterMk cId="3759797833" sldId="2147483672"/>
+              <pc:sldLayoutMk cId="1824315900" sldId="2147483680"/>
+              <ac:spMk id="4" creationId="{00000000-0000-0000-0000-000000000000}"/>
+            </ac:spMkLst>
+          </pc:spChg>
+        </pc:sldLayoutChg>
+        <pc:sldLayoutChg chg="modSp">
+          <pc:chgData name="Jordan May Von Eggers" userId="2bcc5b33-6bd2-4559-ac12-5178b17ae4b3" providerId="ADAL" clId="{995D90AF-ABC0-A446-B724-AA475D41C66A}" dt="2024-11-11T23:28:57.811" v="46"/>
+          <pc:sldLayoutMkLst>
+            <pc:docMk/>
+            <pc:sldMasterMk cId="3759797833" sldId="2147483672"/>
+            <pc:sldLayoutMk cId="1092396213" sldId="2147483681"/>
+          </pc:sldLayoutMkLst>
+          <pc:spChg chg="mod">
+            <ac:chgData name="Jordan May Von Eggers" userId="2bcc5b33-6bd2-4559-ac12-5178b17ae4b3" providerId="ADAL" clId="{995D90AF-ABC0-A446-B724-AA475D41C66A}" dt="2024-11-11T23:28:57.811" v="46"/>
+            <ac:spMkLst>
+              <pc:docMk/>
+              <pc:sldMasterMk cId="3759797833" sldId="2147483672"/>
+              <pc:sldLayoutMk cId="1092396213" sldId="2147483681"/>
+              <ac:spMk id="2" creationId="{00000000-0000-0000-0000-000000000000}"/>
+            </ac:spMkLst>
+          </pc:spChg>
+          <pc:spChg chg="mod">
+            <ac:chgData name="Jordan May Von Eggers" userId="2bcc5b33-6bd2-4559-ac12-5178b17ae4b3" providerId="ADAL" clId="{995D90AF-ABC0-A446-B724-AA475D41C66A}" dt="2024-11-11T23:28:57.811" v="46"/>
+            <ac:spMkLst>
+              <pc:docMk/>
+              <pc:sldMasterMk cId="3759797833" sldId="2147483672"/>
+              <pc:sldLayoutMk cId="1092396213" sldId="2147483681"/>
+              <ac:spMk id="3" creationId="{00000000-0000-0000-0000-000000000000}"/>
+            </ac:spMkLst>
+          </pc:spChg>
+          <pc:spChg chg="mod">
+            <ac:chgData name="Jordan May Von Eggers" userId="2bcc5b33-6bd2-4559-ac12-5178b17ae4b3" providerId="ADAL" clId="{995D90AF-ABC0-A446-B724-AA475D41C66A}" dt="2024-11-11T23:28:57.811" v="46"/>
+            <ac:spMkLst>
+              <pc:docMk/>
+              <pc:sldMasterMk cId="3759797833" sldId="2147483672"/>
+              <pc:sldLayoutMk cId="1092396213" sldId="2147483681"/>
+              <ac:spMk id="4" creationId="{00000000-0000-0000-0000-000000000000}"/>
+            </ac:spMkLst>
+          </pc:spChg>
+        </pc:sldLayoutChg>
+        <pc:sldLayoutChg chg="modSp">
+          <pc:chgData name="Jordan May Von Eggers" userId="2bcc5b33-6bd2-4559-ac12-5178b17ae4b3" providerId="ADAL" clId="{995D90AF-ABC0-A446-B724-AA475D41C66A}" dt="2024-11-11T23:28:57.811" v="46"/>
+          <pc:sldLayoutMkLst>
+            <pc:docMk/>
+            <pc:sldMasterMk cId="3759797833" sldId="2147483672"/>
+            <pc:sldLayoutMk cId="1923886365" sldId="2147483683"/>
+          </pc:sldLayoutMkLst>
+          <pc:spChg chg="mod">
+            <ac:chgData name="Jordan May Von Eggers" userId="2bcc5b33-6bd2-4559-ac12-5178b17ae4b3" providerId="ADAL" clId="{995D90AF-ABC0-A446-B724-AA475D41C66A}" dt="2024-11-11T23:28:57.811" v="46"/>
+            <ac:spMkLst>
+              <pc:docMk/>
+              <pc:sldMasterMk cId="3759797833" sldId="2147483672"/>
+              <pc:sldLayoutMk cId="1923886365" sldId="2147483683"/>
+              <ac:spMk id="2" creationId="{00000000-0000-0000-0000-000000000000}"/>
+            </ac:spMkLst>
+          </pc:spChg>
+          <pc:spChg chg="mod">
+            <ac:chgData name="Jordan May Von Eggers" userId="2bcc5b33-6bd2-4559-ac12-5178b17ae4b3" providerId="ADAL" clId="{995D90AF-ABC0-A446-B724-AA475D41C66A}" dt="2024-11-11T23:28:57.811" v="46"/>
+            <ac:spMkLst>
+              <pc:docMk/>
+              <pc:sldMasterMk cId="3759797833" sldId="2147483672"/>
+              <pc:sldLayoutMk cId="1923886365" sldId="2147483683"/>
+              <ac:spMk id="3" creationId="{00000000-0000-0000-0000-000000000000}"/>
+            </ac:spMkLst>
+          </pc:spChg>
+        </pc:sldLayoutChg>
+      </pc:sldMasterChg>
+    </pc:docChg>
+  </pc:docChgLst>
 </pc:chgInfo>
 </file>
 
@@ -386,7 +860,7 @@
           <a:p>
             <a:fld id="{65E4C7FA-99D3-9A47-93BF-78AE51BCC9F0}" type="datetimeFigureOut">
               <a:rPr lang="en-US" smtClean="0"/>
-              <a:t>9/10/24</a:t>
+              <a:t>11/11/24</a:t>
             </a:fld>
             <a:endParaRPr lang="en-US"/>
           </a:p>
@@ -404,8 +878,8 @@
         </p:nvSpPr>
         <p:spPr>
           <a:xfrm>
-            <a:off x="1517650" y="1143000"/>
-            <a:ext cx="3822700" cy="3086100"/>
+            <a:off x="1363663" y="1143000"/>
+            <a:ext cx="4130675" cy="3086100"/>
           </a:xfrm>
           <a:prstGeom prst="rect">
             <a:avLst/>
@@ -680,7 +1154,12 @@
             <p:ph type="sldImg"/>
           </p:nvPr>
         </p:nvSpPr>
-        <p:spPr/>
+        <p:spPr>
+          <a:xfrm>
+            <a:off x="1363663" y="1143000"/>
+            <a:ext cx="4130675" cy="3086100"/>
+          </a:xfrm>
+        </p:spPr>
       </p:sp>
       <p:sp>
         <p:nvSpPr>
@@ -728,6 +1207,119 @@
     <p:extLst>
       <p:ext uri="{BB962C8B-B14F-4D97-AF65-F5344CB8AC3E}">
         <p14:creationId xmlns:p14="http://schemas.microsoft.com/office/powerpoint/2010/main" val="2410131954"/>
+      </p:ext>
+    </p:extLst>
+  </p:cSld>
+  <p:clrMapOvr>
+    <a:masterClrMapping/>
+  </p:clrMapOvr>
+</p:notes>
+</file>
+
+<file path=ppt/notesSlides/notesSlide2.xml><?xml version="1.0" encoding="utf-8"?>
+<p:notes xmlns:a="http://schemas.openxmlformats.org/drawingml/2006/main" xmlns:r="http://schemas.openxmlformats.org/officeDocument/2006/relationships" xmlns:p="http://schemas.openxmlformats.org/presentationml/2006/main">
+  <p:cSld>
+    <p:spTree>
+      <p:nvGrpSpPr>
+        <p:cNvPr id="1" name="">
+          <a:extLst>
+            <a:ext uri="{FF2B5EF4-FFF2-40B4-BE49-F238E27FC236}">
+              <a16:creationId xmlns:a16="http://schemas.microsoft.com/office/drawing/2014/main" id="{8EA07820-F1F6-F4F9-217E-7E40D227286D}"/>
+            </a:ext>
+          </a:extLst>
+        </p:cNvPr>
+        <p:cNvGrpSpPr/>
+        <p:nvPr/>
+      </p:nvGrpSpPr>
+      <p:grpSpPr>
+        <a:xfrm>
+          <a:off x="0" y="0"/>
+          <a:ext cx="0" cy="0"/>
+          <a:chOff x="0" y="0"/>
+          <a:chExt cx="0" cy="0"/>
+        </a:xfrm>
+      </p:grpSpPr>
+      <p:sp>
+        <p:nvSpPr>
+          <p:cNvPr id="2" name="Slide Image Placeholder 1">
+            <a:extLst>
+              <a:ext uri="{FF2B5EF4-FFF2-40B4-BE49-F238E27FC236}">
+                <a16:creationId xmlns:a16="http://schemas.microsoft.com/office/drawing/2014/main" id="{5F140288-29C8-B26B-B6A9-A21920337A71}"/>
+              </a:ext>
+            </a:extLst>
+          </p:cNvPr>
+          <p:cNvSpPr>
+            <a:spLocks noGrp="1" noRot="1" noChangeAspect="1"/>
+          </p:cNvSpPr>
+          <p:nvPr>
+            <p:ph type="sldImg"/>
+          </p:nvPr>
+        </p:nvSpPr>
+        <p:spPr>
+          <a:xfrm>
+            <a:off x="1363663" y="1143000"/>
+            <a:ext cx="4130675" cy="3086100"/>
+          </a:xfrm>
+        </p:spPr>
+      </p:sp>
+      <p:sp>
+        <p:nvSpPr>
+          <p:cNvPr id="3" name="Notes Placeholder 2">
+            <a:extLst>
+              <a:ext uri="{FF2B5EF4-FFF2-40B4-BE49-F238E27FC236}">
+                <a16:creationId xmlns:a16="http://schemas.microsoft.com/office/drawing/2014/main" id="{46A67B56-C436-1C14-ECE7-6B7A3BDDB3B2}"/>
+              </a:ext>
+            </a:extLst>
+          </p:cNvPr>
+          <p:cNvSpPr>
+            <a:spLocks noGrp="1"/>
+          </p:cNvSpPr>
+          <p:nvPr>
+            <p:ph type="body" idx="1"/>
+          </p:nvPr>
+        </p:nvSpPr>
+        <p:spPr/>
+        <p:txBody>
+          <a:bodyPr/>
+          <a:lstStyle/>
+          <a:p>
+            <a:endParaRPr lang="en-US" dirty="0"/>
+          </a:p>
+        </p:txBody>
+      </p:sp>
+      <p:sp>
+        <p:nvSpPr>
+          <p:cNvPr id="4" name="Slide Number Placeholder 3">
+            <a:extLst>
+              <a:ext uri="{FF2B5EF4-FFF2-40B4-BE49-F238E27FC236}">
+                <a16:creationId xmlns:a16="http://schemas.microsoft.com/office/drawing/2014/main" id="{AEE2F464-2204-94E0-2E1C-2FF945E81BAA}"/>
+              </a:ext>
+            </a:extLst>
+          </p:cNvPr>
+          <p:cNvSpPr>
+            <a:spLocks noGrp="1"/>
+          </p:cNvSpPr>
+          <p:nvPr>
+            <p:ph type="sldNum" sz="quarter" idx="5"/>
+          </p:nvPr>
+        </p:nvSpPr>
+        <p:spPr/>
+        <p:txBody>
+          <a:bodyPr/>
+          <a:lstStyle/>
+          <a:p>
+            <a:fld id="{A736336B-A551-3B41-A71D-37F9928C3ED9}" type="slidenum">
+              <a:rPr lang="en-US" smtClean="0"/>
+              <a:t>2</a:t>
+            </a:fld>
+            <a:endParaRPr lang="en-US"/>
+          </a:p>
+        </p:txBody>
+      </p:sp>
+    </p:spTree>
+    <p:extLst>
+      <p:ext uri="{BB962C8B-B14F-4D97-AF65-F5344CB8AC3E}">
+        <p14:creationId xmlns:p14="http://schemas.microsoft.com/office/powerpoint/2010/main" val="2135054380"/>
       </p:ext>
     </p:extLst>
   </p:cSld>
@@ -766,15 +1358,15 @@
         </p:nvSpPr>
         <p:spPr>
           <a:xfrm>
-            <a:off x="569238" y="1002593"/>
-            <a:ext cx="6451362" cy="2132812"/>
+            <a:off x="569238" y="927768"/>
+            <a:ext cx="6451362" cy="1973639"/>
           </a:xfrm>
         </p:spPr>
         <p:txBody>
           <a:bodyPr anchor="b"/>
           <a:lstStyle>
             <a:lvl1pPr algn="ctr">
-              <a:defRPr sz="4980"/>
+              <a:defRPr sz="4960"/>
             </a:lvl1pPr>
           </a:lstStyle>
           <a:p>
@@ -798,8 +1390,8 @@
         </p:nvSpPr>
         <p:spPr>
           <a:xfrm>
-            <a:off x="948730" y="3217654"/>
-            <a:ext cx="5692379" cy="1479071"/>
+            <a:off x="948730" y="2977518"/>
+            <a:ext cx="5692379" cy="1368687"/>
           </a:xfrm>
         </p:spPr>
         <p:txBody>
@@ -807,39 +1399,39 @@
           <a:lstStyle>
             <a:lvl1pPr marL="0" indent="0" algn="ctr">
               <a:buNone/>
-              <a:defRPr sz="1992"/>
+              <a:defRPr sz="1984"/>
             </a:lvl1pPr>
-            <a:lvl2pPr marL="379476" indent="0" algn="ctr">
-              <a:buNone/>
-              <a:defRPr sz="1660"/>
+            <a:lvl2pPr marL="377922" indent="0" algn="ctr">
+              <a:buNone/>
+              <a:defRPr sz="1653"/>
             </a:lvl2pPr>
-            <a:lvl3pPr marL="758952" indent="0" algn="ctr">
-              <a:buNone/>
-              <a:defRPr sz="1494"/>
+            <a:lvl3pPr marL="755843" indent="0" algn="ctr">
+              <a:buNone/>
+              <a:defRPr sz="1488"/>
             </a:lvl3pPr>
-            <a:lvl4pPr marL="1138428" indent="0" algn="ctr">
-              <a:buNone/>
-              <a:defRPr sz="1328"/>
+            <a:lvl4pPr marL="1133765" indent="0" algn="ctr">
+              <a:buNone/>
+              <a:defRPr sz="1323"/>
             </a:lvl4pPr>
-            <a:lvl5pPr marL="1517904" indent="0" algn="ctr">
-              <a:buNone/>
-              <a:defRPr sz="1328"/>
+            <a:lvl5pPr marL="1511686" indent="0" algn="ctr">
+              <a:buNone/>
+              <a:defRPr sz="1323"/>
             </a:lvl5pPr>
-            <a:lvl6pPr marL="1897380" indent="0" algn="ctr">
-              <a:buNone/>
-              <a:defRPr sz="1328"/>
+            <a:lvl6pPr marL="1889608" indent="0" algn="ctr">
+              <a:buNone/>
+              <a:defRPr sz="1323"/>
             </a:lvl6pPr>
-            <a:lvl7pPr marL="2276856" indent="0" algn="ctr">
-              <a:buNone/>
-              <a:defRPr sz="1328"/>
+            <a:lvl7pPr marL="2267529" indent="0" algn="ctr">
+              <a:buNone/>
+              <a:defRPr sz="1323"/>
             </a:lvl7pPr>
-            <a:lvl8pPr marL="2656332" indent="0" algn="ctr">
-              <a:buNone/>
-              <a:defRPr sz="1328"/>
+            <a:lvl8pPr marL="2645451" indent="0" algn="ctr">
+              <a:buNone/>
+              <a:defRPr sz="1323"/>
             </a:lvl8pPr>
-            <a:lvl9pPr marL="3035808" indent="0" algn="ctr">
-              <a:buNone/>
-              <a:defRPr sz="1328"/>
+            <a:lvl9pPr marL="3023372" indent="0" algn="ctr">
+              <a:buNone/>
+              <a:defRPr sz="1323"/>
             </a:lvl9pPr>
           </a:lstStyle>
           <a:p>
@@ -868,7 +1460,7 @@
           <a:p>
             <a:fld id="{33EBA233-06BD-3443-8B71-DAD0B94A8053}" type="datetimeFigureOut">
               <a:rPr lang="en-US" smtClean="0"/>
-              <a:t>9/10/24</a:t>
+              <a:t>11/11/24</a:t>
             </a:fld>
             <a:endParaRPr lang="en-US"/>
           </a:p>
@@ -919,7 +1511,7 @@
     </p:spTree>
     <p:extLst>
       <p:ext uri="{BB962C8B-B14F-4D97-AF65-F5344CB8AC3E}">
-        <p14:creationId xmlns:p14="http://schemas.microsoft.com/office/powerpoint/2010/main" val="3961808904"/>
+        <p14:creationId xmlns:p14="http://schemas.microsoft.com/office/powerpoint/2010/main" val="3937313644"/>
       </p:ext>
     </p:extLst>
   </p:cSld>
@@ -1038,7 +1630,7 @@
           <a:p>
             <a:fld id="{33EBA233-06BD-3443-8B71-DAD0B94A8053}" type="datetimeFigureOut">
               <a:rPr lang="en-US" smtClean="0"/>
-              <a:t>9/10/24</a:t>
+              <a:t>11/11/24</a:t>
             </a:fld>
             <a:endParaRPr lang="en-US"/>
           </a:p>
@@ -1089,7 +1681,7 @@
     </p:spTree>
     <p:extLst>
       <p:ext uri="{BB962C8B-B14F-4D97-AF65-F5344CB8AC3E}">
-        <p14:creationId xmlns:p14="http://schemas.microsoft.com/office/powerpoint/2010/main" val="3990781060"/>
+        <p14:creationId xmlns:p14="http://schemas.microsoft.com/office/powerpoint/2010/main" val="224720125"/>
       </p:ext>
     </p:extLst>
   </p:cSld>
@@ -1128,8 +1720,8 @@
         </p:nvSpPr>
         <p:spPr>
           <a:xfrm>
-            <a:off x="5431478" y="326161"/>
-            <a:ext cx="1636559" cy="5191640"/>
+            <a:off x="5431478" y="301820"/>
+            <a:ext cx="1636559" cy="4804184"/>
           </a:xfrm>
         </p:spPr>
         <p:txBody>
@@ -1156,8 +1748,8 @@
         </p:nvSpPr>
         <p:spPr>
           <a:xfrm>
-            <a:off x="521802" y="326161"/>
-            <a:ext cx="4814803" cy="5191640"/>
+            <a:off x="521802" y="301820"/>
+            <a:ext cx="4814803" cy="4804184"/>
           </a:xfrm>
         </p:spPr>
         <p:txBody>
@@ -1218,7 +1810,7 @@
           <a:p>
             <a:fld id="{33EBA233-06BD-3443-8B71-DAD0B94A8053}" type="datetimeFigureOut">
               <a:rPr lang="en-US" smtClean="0"/>
-              <a:t>9/10/24</a:t>
+              <a:t>11/11/24</a:t>
             </a:fld>
             <a:endParaRPr lang="en-US"/>
           </a:p>
@@ -1269,7 +1861,7 @@
     </p:spTree>
     <p:extLst>
       <p:ext uri="{BB962C8B-B14F-4D97-AF65-F5344CB8AC3E}">
-        <p14:creationId xmlns:p14="http://schemas.microsoft.com/office/powerpoint/2010/main" val="1923886365"/>
+        <p14:creationId xmlns:p14="http://schemas.microsoft.com/office/powerpoint/2010/main" val="254743215"/>
       </p:ext>
     </p:extLst>
   </p:cSld>
@@ -1388,7 +1980,7 @@
           <a:p>
             <a:fld id="{33EBA233-06BD-3443-8B71-DAD0B94A8053}" type="datetimeFigureOut">
               <a:rPr lang="en-US" smtClean="0"/>
-              <a:t>9/10/24</a:t>
+              <a:t>11/11/24</a:t>
             </a:fld>
             <a:endParaRPr lang="en-US"/>
           </a:p>
@@ -1439,7 +2031,7 @@
     </p:spTree>
     <p:extLst>
       <p:ext uri="{BB962C8B-B14F-4D97-AF65-F5344CB8AC3E}">
-        <p14:creationId xmlns:p14="http://schemas.microsoft.com/office/powerpoint/2010/main" val="3982042451"/>
+        <p14:creationId xmlns:p14="http://schemas.microsoft.com/office/powerpoint/2010/main" val="379826125"/>
       </p:ext>
     </p:extLst>
   </p:cSld>
@@ -1478,15 +2070,15 @@
         </p:nvSpPr>
         <p:spPr>
           <a:xfrm>
-            <a:off x="517849" y="1527288"/>
-            <a:ext cx="6546235" cy="2548313"/>
+            <a:off x="517849" y="1413305"/>
+            <a:ext cx="6546235" cy="2358131"/>
           </a:xfrm>
         </p:spPr>
         <p:txBody>
           <a:bodyPr anchor="b"/>
           <a:lstStyle>
             <a:lvl1pPr>
-              <a:defRPr sz="4980"/>
+              <a:defRPr sz="4960"/>
             </a:lvl1pPr>
           </a:lstStyle>
           <a:p>
@@ -1510,8 +2102,8 @@
         </p:nvSpPr>
         <p:spPr>
           <a:xfrm>
-            <a:off x="517849" y="4099709"/>
-            <a:ext cx="6546235" cy="1340098"/>
+            <a:off x="517849" y="3793745"/>
+            <a:ext cx="6546235" cy="1240085"/>
           </a:xfrm>
         </p:spPr>
         <p:txBody>
@@ -1519,7 +2111,7 @@
           <a:lstStyle>
             <a:lvl1pPr marL="0" indent="0">
               <a:buNone/>
-              <a:defRPr sz="1992">
+              <a:defRPr sz="1984">
                 <a:solidFill>
                   <a:schemeClr val="tx1">
                     <a:tint val="82000"/>
@@ -1527,9 +2119,9 @@
                 </a:solidFill>
               </a:defRPr>
             </a:lvl1pPr>
-            <a:lvl2pPr marL="379476" indent="0">
-              <a:buNone/>
-              <a:defRPr sz="1660">
+            <a:lvl2pPr marL="377922" indent="0">
+              <a:buNone/>
+              <a:defRPr sz="1653">
                 <a:solidFill>
                   <a:schemeClr val="tx1">
                     <a:tint val="82000"/>
@@ -1537,9 +2129,9 @@
                 </a:solidFill>
               </a:defRPr>
             </a:lvl2pPr>
-            <a:lvl3pPr marL="758952" indent="0">
-              <a:buNone/>
-              <a:defRPr sz="1494">
+            <a:lvl3pPr marL="755843" indent="0">
+              <a:buNone/>
+              <a:defRPr sz="1488">
                 <a:solidFill>
                   <a:schemeClr val="tx1">
                     <a:tint val="82000"/>
@@ -1547,9 +2139,9 @@
                 </a:solidFill>
               </a:defRPr>
             </a:lvl3pPr>
-            <a:lvl4pPr marL="1138428" indent="0">
-              <a:buNone/>
-              <a:defRPr sz="1328">
+            <a:lvl4pPr marL="1133765" indent="0">
+              <a:buNone/>
+              <a:defRPr sz="1323">
                 <a:solidFill>
                   <a:schemeClr val="tx1">
                     <a:tint val="82000"/>
@@ -1557,9 +2149,9 @@
                 </a:solidFill>
               </a:defRPr>
             </a:lvl4pPr>
-            <a:lvl5pPr marL="1517904" indent="0">
-              <a:buNone/>
-              <a:defRPr sz="1328">
+            <a:lvl5pPr marL="1511686" indent="0">
+              <a:buNone/>
+              <a:defRPr sz="1323">
                 <a:solidFill>
                   <a:schemeClr val="tx1">
                     <a:tint val="82000"/>
@@ -1567,9 +2159,9 @@
                 </a:solidFill>
               </a:defRPr>
             </a:lvl5pPr>
-            <a:lvl6pPr marL="1897380" indent="0">
-              <a:buNone/>
-              <a:defRPr sz="1328">
+            <a:lvl6pPr marL="1889608" indent="0">
+              <a:buNone/>
+              <a:defRPr sz="1323">
                 <a:solidFill>
                   <a:schemeClr val="tx1">
                     <a:tint val="82000"/>
@@ -1577,9 +2169,9 @@
                 </a:solidFill>
               </a:defRPr>
             </a:lvl6pPr>
-            <a:lvl7pPr marL="2276856" indent="0">
-              <a:buNone/>
-              <a:defRPr sz="1328">
+            <a:lvl7pPr marL="2267529" indent="0">
+              <a:buNone/>
+              <a:defRPr sz="1323">
                 <a:solidFill>
                   <a:schemeClr val="tx1">
                     <a:tint val="82000"/>
@@ -1587,9 +2179,9 @@
                 </a:solidFill>
               </a:defRPr>
             </a:lvl7pPr>
-            <a:lvl8pPr marL="2656332" indent="0">
-              <a:buNone/>
-              <a:defRPr sz="1328">
+            <a:lvl8pPr marL="2645451" indent="0">
+              <a:buNone/>
+              <a:defRPr sz="1323">
                 <a:solidFill>
                   <a:schemeClr val="tx1">
                     <a:tint val="82000"/>
@@ -1597,9 +2189,9 @@
                 </a:solidFill>
               </a:defRPr>
             </a:lvl8pPr>
-            <a:lvl9pPr marL="3035808" indent="0">
-              <a:buNone/>
-              <a:defRPr sz="1328">
+            <a:lvl9pPr marL="3023372" indent="0">
+              <a:buNone/>
+              <a:defRPr sz="1323">
                 <a:solidFill>
                   <a:schemeClr val="tx1">
                     <a:tint val="82000"/>
@@ -1634,7 +2226,7 @@
           <a:p>
             <a:fld id="{33EBA233-06BD-3443-8B71-DAD0B94A8053}" type="datetimeFigureOut">
               <a:rPr lang="en-US" smtClean="0"/>
-              <a:t>9/10/24</a:t>
+              <a:t>11/11/24</a:t>
             </a:fld>
             <a:endParaRPr lang="en-US"/>
           </a:p>
@@ -1685,7 +2277,7 @@
     </p:spTree>
     <p:extLst>
       <p:ext uri="{BB962C8B-B14F-4D97-AF65-F5344CB8AC3E}">
-        <p14:creationId xmlns:p14="http://schemas.microsoft.com/office/powerpoint/2010/main" val="409421984"/>
+        <p14:creationId xmlns:p14="http://schemas.microsoft.com/office/powerpoint/2010/main" val="998069948"/>
       </p:ext>
     </p:extLst>
   </p:cSld>
@@ -1747,8 +2339,8 @@
         </p:nvSpPr>
         <p:spPr>
           <a:xfrm>
-            <a:off x="521801" y="1630807"/>
-            <a:ext cx="3225681" cy="3886994"/>
+            <a:off x="521801" y="1509099"/>
+            <a:ext cx="3225681" cy="3596905"/>
           </a:xfrm>
         </p:spPr>
         <p:txBody>
@@ -1804,8 +2396,8 @@
         </p:nvSpPr>
         <p:spPr>
           <a:xfrm>
-            <a:off x="3842356" y="1630807"/>
-            <a:ext cx="3225681" cy="3886994"/>
+            <a:off x="3842356" y="1509099"/>
+            <a:ext cx="3225681" cy="3596905"/>
           </a:xfrm>
         </p:spPr>
         <p:txBody>
@@ -1866,7 +2458,7 @@
           <a:p>
             <a:fld id="{33EBA233-06BD-3443-8B71-DAD0B94A8053}" type="datetimeFigureOut">
               <a:rPr lang="en-US" smtClean="0"/>
-              <a:t>9/10/24</a:t>
+              <a:t>11/11/24</a:t>
             </a:fld>
             <a:endParaRPr lang="en-US"/>
           </a:p>
@@ -1917,7 +2509,7 @@
     </p:spTree>
     <p:extLst>
       <p:ext uri="{BB962C8B-B14F-4D97-AF65-F5344CB8AC3E}">
-        <p14:creationId xmlns:p14="http://schemas.microsoft.com/office/powerpoint/2010/main" val="1478926016"/>
+        <p14:creationId xmlns:p14="http://schemas.microsoft.com/office/powerpoint/2010/main" val="1848851766"/>
       </p:ext>
     </p:extLst>
   </p:cSld>
@@ -1956,8 +2548,8 @@
         </p:nvSpPr>
         <p:spPr>
           <a:xfrm>
-            <a:off x="522790" y="326163"/>
-            <a:ext cx="6546235" cy="1184108"/>
+            <a:off x="522790" y="301821"/>
+            <a:ext cx="6546235" cy="1095737"/>
           </a:xfrm>
         </p:spPr>
         <p:txBody>
@@ -1984,8 +2576,8 @@
         </p:nvSpPr>
         <p:spPr>
           <a:xfrm>
-            <a:off x="522791" y="1501761"/>
-            <a:ext cx="3210857" cy="735990"/>
+            <a:off x="522791" y="1389683"/>
+            <a:ext cx="3210857" cy="681063"/>
           </a:xfrm>
         </p:spPr>
         <p:txBody>
@@ -1993,39 +2585,39 @@
           <a:lstStyle>
             <a:lvl1pPr marL="0" indent="0">
               <a:buNone/>
-              <a:defRPr sz="1992" b="1"/>
+              <a:defRPr sz="1984" b="1"/>
             </a:lvl1pPr>
-            <a:lvl2pPr marL="379476" indent="0">
-              <a:buNone/>
-              <a:defRPr sz="1660" b="1"/>
+            <a:lvl2pPr marL="377922" indent="0">
+              <a:buNone/>
+              <a:defRPr sz="1653" b="1"/>
             </a:lvl2pPr>
-            <a:lvl3pPr marL="758952" indent="0">
-              <a:buNone/>
-              <a:defRPr sz="1494" b="1"/>
+            <a:lvl3pPr marL="755843" indent="0">
+              <a:buNone/>
+              <a:defRPr sz="1488" b="1"/>
             </a:lvl3pPr>
-            <a:lvl4pPr marL="1138428" indent="0">
-              <a:buNone/>
-              <a:defRPr sz="1328" b="1"/>
+            <a:lvl4pPr marL="1133765" indent="0">
+              <a:buNone/>
+              <a:defRPr sz="1323" b="1"/>
             </a:lvl4pPr>
-            <a:lvl5pPr marL="1517904" indent="0">
-              <a:buNone/>
-              <a:defRPr sz="1328" b="1"/>
+            <a:lvl5pPr marL="1511686" indent="0">
+              <a:buNone/>
+              <a:defRPr sz="1323" b="1"/>
             </a:lvl5pPr>
-            <a:lvl6pPr marL="1897380" indent="0">
-              <a:buNone/>
-              <a:defRPr sz="1328" b="1"/>
+            <a:lvl6pPr marL="1889608" indent="0">
+              <a:buNone/>
+              <a:defRPr sz="1323" b="1"/>
             </a:lvl6pPr>
-            <a:lvl7pPr marL="2276856" indent="0">
-              <a:buNone/>
-              <a:defRPr sz="1328" b="1"/>
+            <a:lvl7pPr marL="2267529" indent="0">
+              <a:buNone/>
+              <a:defRPr sz="1323" b="1"/>
             </a:lvl7pPr>
-            <a:lvl8pPr marL="2656332" indent="0">
-              <a:buNone/>
-              <a:defRPr sz="1328" b="1"/>
+            <a:lvl8pPr marL="2645451" indent="0">
+              <a:buNone/>
+              <a:defRPr sz="1323" b="1"/>
             </a:lvl8pPr>
-            <a:lvl9pPr marL="3035808" indent="0">
-              <a:buNone/>
-              <a:defRPr sz="1328" b="1"/>
+            <a:lvl9pPr marL="3023372" indent="0">
+              <a:buNone/>
+              <a:defRPr sz="1323" b="1"/>
             </a:lvl9pPr>
           </a:lstStyle>
           <a:p>
@@ -2049,8 +2641,8 @@
         </p:nvSpPr>
         <p:spPr>
           <a:xfrm>
-            <a:off x="522791" y="2237751"/>
-            <a:ext cx="3210857" cy="3291395"/>
+            <a:off x="522791" y="2070746"/>
+            <a:ext cx="3210857" cy="3045756"/>
           </a:xfrm>
         </p:spPr>
         <p:txBody>
@@ -2106,8 +2698,8 @@
         </p:nvSpPr>
         <p:spPr>
           <a:xfrm>
-            <a:off x="3842356" y="1501761"/>
-            <a:ext cx="3226670" cy="735990"/>
+            <a:off x="3842356" y="1389683"/>
+            <a:ext cx="3226670" cy="681063"/>
           </a:xfrm>
         </p:spPr>
         <p:txBody>
@@ -2115,39 +2707,39 @@
           <a:lstStyle>
             <a:lvl1pPr marL="0" indent="0">
               <a:buNone/>
-              <a:defRPr sz="1992" b="1"/>
+              <a:defRPr sz="1984" b="1"/>
             </a:lvl1pPr>
-            <a:lvl2pPr marL="379476" indent="0">
-              <a:buNone/>
-              <a:defRPr sz="1660" b="1"/>
+            <a:lvl2pPr marL="377922" indent="0">
+              <a:buNone/>
+              <a:defRPr sz="1653" b="1"/>
             </a:lvl2pPr>
-            <a:lvl3pPr marL="758952" indent="0">
-              <a:buNone/>
-              <a:defRPr sz="1494" b="1"/>
+            <a:lvl3pPr marL="755843" indent="0">
+              <a:buNone/>
+              <a:defRPr sz="1488" b="1"/>
             </a:lvl3pPr>
-            <a:lvl4pPr marL="1138428" indent="0">
-              <a:buNone/>
-              <a:defRPr sz="1328" b="1"/>
+            <a:lvl4pPr marL="1133765" indent="0">
+              <a:buNone/>
+              <a:defRPr sz="1323" b="1"/>
             </a:lvl4pPr>
-            <a:lvl5pPr marL="1517904" indent="0">
-              <a:buNone/>
-              <a:defRPr sz="1328" b="1"/>
+            <a:lvl5pPr marL="1511686" indent="0">
+              <a:buNone/>
+              <a:defRPr sz="1323" b="1"/>
             </a:lvl5pPr>
-            <a:lvl6pPr marL="1897380" indent="0">
-              <a:buNone/>
-              <a:defRPr sz="1328" b="1"/>
+            <a:lvl6pPr marL="1889608" indent="0">
+              <a:buNone/>
+              <a:defRPr sz="1323" b="1"/>
             </a:lvl6pPr>
-            <a:lvl7pPr marL="2276856" indent="0">
-              <a:buNone/>
-              <a:defRPr sz="1328" b="1"/>
+            <a:lvl7pPr marL="2267529" indent="0">
+              <a:buNone/>
+              <a:defRPr sz="1323" b="1"/>
             </a:lvl7pPr>
-            <a:lvl8pPr marL="2656332" indent="0">
-              <a:buNone/>
-              <a:defRPr sz="1328" b="1"/>
+            <a:lvl8pPr marL="2645451" indent="0">
+              <a:buNone/>
+              <a:defRPr sz="1323" b="1"/>
             </a:lvl8pPr>
-            <a:lvl9pPr marL="3035808" indent="0">
-              <a:buNone/>
-              <a:defRPr sz="1328" b="1"/>
+            <a:lvl9pPr marL="3023372" indent="0">
+              <a:buNone/>
+              <a:defRPr sz="1323" b="1"/>
             </a:lvl9pPr>
           </a:lstStyle>
           <a:p>
@@ -2171,8 +2763,8 @@
         </p:nvSpPr>
         <p:spPr>
           <a:xfrm>
-            <a:off x="3842356" y="2237751"/>
-            <a:ext cx="3226670" cy="3291395"/>
+            <a:off x="3842356" y="2070746"/>
+            <a:ext cx="3226670" cy="3045756"/>
           </a:xfrm>
         </p:spPr>
         <p:txBody>
@@ -2233,7 +2825,7 @@
           <a:p>
             <a:fld id="{33EBA233-06BD-3443-8B71-DAD0B94A8053}" type="datetimeFigureOut">
               <a:rPr lang="en-US" smtClean="0"/>
-              <a:t>9/10/24</a:t>
+              <a:t>11/11/24</a:t>
             </a:fld>
             <a:endParaRPr lang="en-US"/>
           </a:p>
@@ -2284,7 +2876,7 @@
     </p:spTree>
     <p:extLst>
       <p:ext uri="{BB962C8B-B14F-4D97-AF65-F5344CB8AC3E}">
-        <p14:creationId xmlns:p14="http://schemas.microsoft.com/office/powerpoint/2010/main" val="2532114237"/>
+        <p14:creationId xmlns:p14="http://schemas.microsoft.com/office/powerpoint/2010/main" val="1007307557"/>
       </p:ext>
     </p:extLst>
   </p:cSld>
@@ -2351,7 +2943,7 @@
           <a:p>
             <a:fld id="{33EBA233-06BD-3443-8B71-DAD0B94A8053}" type="datetimeFigureOut">
               <a:rPr lang="en-US" smtClean="0"/>
-              <a:t>9/10/24</a:t>
+              <a:t>11/11/24</a:t>
             </a:fld>
             <a:endParaRPr lang="en-US"/>
           </a:p>
@@ -2402,7 +2994,7 @@
     </p:spTree>
     <p:extLst>
       <p:ext uri="{BB962C8B-B14F-4D97-AF65-F5344CB8AC3E}">
-        <p14:creationId xmlns:p14="http://schemas.microsoft.com/office/powerpoint/2010/main" val="623569702"/>
+        <p14:creationId xmlns:p14="http://schemas.microsoft.com/office/powerpoint/2010/main" val="3644254827"/>
       </p:ext>
     </p:extLst>
   </p:cSld>
@@ -2446,7 +3038,7 @@
           <a:p>
             <a:fld id="{33EBA233-06BD-3443-8B71-DAD0B94A8053}" type="datetimeFigureOut">
               <a:rPr lang="en-US" smtClean="0"/>
-              <a:t>9/10/24</a:t>
+              <a:t>11/11/24</a:t>
             </a:fld>
             <a:endParaRPr lang="en-US"/>
           </a:p>
@@ -2497,7 +3089,7 @@
     </p:spTree>
     <p:extLst>
       <p:ext uri="{BB962C8B-B14F-4D97-AF65-F5344CB8AC3E}">
-        <p14:creationId xmlns:p14="http://schemas.microsoft.com/office/powerpoint/2010/main" val="2466557406"/>
+        <p14:creationId xmlns:p14="http://schemas.microsoft.com/office/powerpoint/2010/main" val="2222635608"/>
       </p:ext>
     </p:extLst>
   </p:cSld>
@@ -2536,15 +3128,15 @@
         </p:nvSpPr>
         <p:spPr>
           <a:xfrm>
-            <a:off x="522790" y="408411"/>
-            <a:ext cx="2447920" cy="1429438"/>
+            <a:off x="522790" y="377931"/>
+            <a:ext cx="2447920" cy="1322758"/>
           </a:xfrm>
         </p:spPr>
         <p:txBody>
           <a:bodyPr anchor="b"/>
           <a:lstStyle>
             <a:lvl1pPr>
-              <a:defRPr sz="2656"/>
+              <a:defRPr sz="2645"/>
             </a:lvl1pPr>
           </a:lstStyle>
           <a:p>
@@ -2568,39 +3160,39 @@
         </p:nvSpPr>
         <p:spPr>
           <a:xfrm>
-            <a:off x="3226670" y="882056"/>
-            <a:ext cx="3842355" cy="4353546"/>
+            <a:off x="3226670" y="816227"/>
+            <a:ext cx="3842355" cy="4028638"/>
           </a:xfrm>
         </p:spPr>
         <p:txBody>
           <a:bodyPr/>
           <a:lstStyle>
             <a:lvl1pPr>
-              <a:defRPr sz="2656"/>
+              <a:defRPr sz="2645"/>
             </a:lvl1pPr>
             <a:lvl2pPr>
-              <a:defRPr sz="2324"/>
+              <a:defRPr sz="2314"/>
             </a:lvl2pPr>
             <a:lvl3pPr>
-              <a:defRPr sz="1992"/>
+              <a:defRPr sz="1984"/>
             </a:lvl3pPr>
             <a:lvl4pPr>
-              <a:defRPr sz="1660"/>
+              <a:defRPr sz="1653"/>
             </a:lvl4pPr>
             <a:lvl5pPr>
-              <a:defRPr sz="1660"/>
+              <a:defRPr sz="1653"/>
             </a:lvl5pPr>
             <a:lvl6pPr>
-              <a:defRPr sz="1660"/>
+              <a:defRPr sz="1653"/>
             </a:lvl6pPr>
             <a:lvl7pPr>
-              <a:defRPr sz="1660"/>
+              <a:defRPr sz="1653"/>
             </a:lvl7pPr>
             <a:lvl8pPr>
-              <a:defRPr sz="1660"/>
+              <a:defRPr sz="1653"/>
             </a:lvl8pPr>
             <a:lvl9pPr>
-              <a:defRPr sz="1660"/>
+              <a:defRPr sz="1653"/>
             </a:lvl9pPr>
           </a:lstStyle>
           <a:p>
@@ -2653,8 +3245,8 @@
         </p:nvSpPr>
         <p:spPr>
           <a:xfrm>
-            <a:off x="522790" y="1837849"/>
-            <a:ext cx="2447920" cy="3404842"/>
+            <a:off x="522790" y="1700689"/>
+            <a:ext cx="2447920" cy="3150737"/>
           </a:xfrm>
         </p:spPr>
         <p:txBody>
@@ -2662,39 +3254,39 @@
           <a:lstStyle>
             <a:lvl1pPr marL="0" indent="0">
               <a:buNone/>
-              <a:defRPr sz="1328"/>
+              <a:defRPr sz="1323"/>
             </a:lvl1pPr>
-            <a:lvl2pPr marL="379476" indent="0">
-              <a:buNone/>
-              <a:defRPr sz="1162"/>
+            <a:lvl2pPr marL="377922" indent="0">
+              <a:buNone/>
+              <a:defRPr sz="1157"/>
             </a:lvl2pPr>
-            <a:lvl3pPr marL="758952" indent="0">
-              <a:buNone/>
-              <a:defRPr sz="996"/>
+            <a:lvl3pPr marL="755843" indent="0">
+              <a:buNone/>
+              <a:defRPr sz="992"/>
             </a:lvl3pPr>
-            <a:lvl4pPr marL="1138428" indent="0">
-              <a:buNone/>
-              <a:defRPr sz="830"/>
+            <a:lvl4pPr marL="1133765" indent="0">
+              <a:buNone/>
+              <a:defRPr sz="827"/>
             </a:lvl4pPr>
-            <a:lvl5pPr marL="1517904" indent="0">
-              <a:buNone/>
-              <a:defRPr sz="830"/>
+            <a:lvl5pPr marL="1511686" indent="0">
+              <a:buNone/>
+              <a:defRPr sz="827"/>
             </a:lvl5pPr>
-            <a:lvl6pPr marL="1897380" indent="0">
-              <a:buNone/>
-              <a:defRPr sz="830"/>
+            <a:lvl6pPr marL="1889608" indent="0">
+              <a:buNone/>
+              <a:defRPr sz="827"/>
             </a:lvl6pPr>
-            <a:lvl7pPr marL="2276856" indent="0">
-              <a:buNone/>
-              <a:defRPr sz="830"/>
+            <a:lvl7pPr marL="2267529" indent="0">
+              <a:buNone/>
+              <a:defRPr sz="827"/>
             </a:lvl7pPr>
-            <a:lvl8pPr marL="2656332" indent="0">
-              <a:buNone/>
-              <a:defRPr sz="830"/>
+            <a:lvl8pPr marL="2645451" indent="0">
+              <a:buNone/>
+              <a:defRPr sz="827"/>
             </a:lvl8pPr>
-            <a:lvl9pPr marL="3035808" indent="0">
-              <a:buNone/>
-              <a:defRPr sz="830"/>
+            <a:lvl9pPr marL="3023372" indent="0">
+              <a:buNone/>
+              <a:defRPr sz="827"/>
             </a:lvl9pPr>
           </a:lstStyle>
           <a:p>
@@ -2723,7 +3315,7 @@
           <a:p>
             <a:fld id="{33EBA233-06BD-3443-8B71-DAD0B94A8053}" type="datetimeFigureOut">
               <a:rPr lang="en-US" smtClean="0"/>
-              <a:t>9/10/24</a:t>
+              <a:t>11/11/24</a:t>
             </a:fld>
             <a:endParaRPr lang="en-US"/>
           </a:p>
@@ -2774,7 +3366,7 @@
     </p:spTree>
     <p:extLst>
       <p:ext uri="{BB962C8B-B14F-4D97-AF65-F5344CB8AC3E}">
-        <p14:creationId xmlns:p14="http://schemas.microsoft.com/office/powerpoint/2010/main" val="1824315900"/>
+        <p14:creationId xmlns:p14="http://schemas.microsoft.com/office/powerpoint/2010/main" val="3902596462"/>
       </p:ext>
     </p:extLst>
   </p:cSld>
@@ -2813,15 +3405,15 @@
         </p:nvSpPr>
         <p:spPr>
           <a:xfrm>
-            <a:off x="522790" y="408411"/>
-            <a:ext cx="2447920" cy="1429438"/>
+            <a:off x="522790" y="377931"/>
+            <a:ext cx="2447920" cy="1322758"/>
           </a:xfrm>
         </p:spPr>
         <p:txBody>
           <a:bodyPr anchor="b"/>
           <a:lstStyle>
             <a:lvl1pPr>
-              <a:defRPr sz="2656"/>
+              <a:defRPr sz="2645"/>
             </a:lvl1pPr>
           </a:lstStyle>
           <a:p>
@@ -2845,8 +3437,8 @@
         </p:nvSpPr>
         <p:spPr>
           <a:xfrm>
-            <a:off x="3226670" y="882056"/>
-            <a:ext cx="3842355" cy="4353546"/>
+            <a:off x="3226670" y="816227"/>
+            <a:ext cx="3842355" cy="4028638"/>
           </a:xfrm>
         </p:spPr>
         <p:txBody>
@@ -2854,39 +3446,39 @@
           <a:lstStyle>
             <a:lvl1pPr marL="0" indent="0">
               <a:buNone/>
-              <a:defRPr sz="2656"/>
+              <a:defRPr sz="2645"/>
             </a:lvl1pPr>
-            <a:lvl2pPr marL="379476" indent="0">
-              <a:buNone/>
-              <a:defRPr sz="2324"/>
+            <a:lvl2pPr marL="377922" indent="0">
+              <a:buNone/>
+              <a:defRPr sz="2314"/>
             </a:lvl2pPr>
-            <a:lvl3pPr marL="758952" indent="0">
-              <a:buNone/>
-              <a:defRPr sz="1992"/>
+            <a:lvl3pPr marL="755843" indent="0">
+              <a:buNone/>
+              <a:defRPr sz="1984"/>
             </a:lvl3pPr>
-            <a:lvl4pPr marL="1138428" indent="0">
-              <a:buNone/>
-              <a:defRPr sz="1660"/>
+            <a:lvl4pPr marL="1133765" indent="0">
+              <a:buNone/>
+              <a:defRPr sz="1653"/>
             </a:lvl4pPr>
-            <a:lvl5pPr marL="1517904" indent="0">
-              <a:buNone/>
-              <a:defRPr sz="1660"/>
+            <a:lvl5pPr marL="1511686" indent="0">
+              <a:buNone/>
+              <a:defRPr sz="1653"/>
             </a:lvl5pPr>
-            <a:lvl6pPr marL="1897380" indent="0">
-              <a:buNone/>
-              <a:defRPr sz="1660"/>
+            <a:lvl6pPr marL="1889608" indent="0">
+              <a:buNone/>
+              <a:defRPr sz="1653"/>
             </a:lvl6pPr>
-            <a:lvl7pPr marL="2276856" indent="0">
-              <a:buNone/>
-              <a:defRPr sz="1660"/>
+            <a:lvl7pPr marL="2267529" indent="0">
+              <a:buNone/>
+              <a:defRPr sz="1653"/>
             </a:lvl7pPr>
-            <a:lvl8pPr marL="2656332" indent="0">
-              <a:buNone/>
-              <a:defRPr sz="1660"/>
+            <a:lvl8pPr marL="2645451" indent="0">
+              <a:buNone/>
+              <a:defRPr sz="1653"/>
             </a:lvl8pPr>
-            <a:lvl9pPr marL="3035808" indent="0">
-              <a:buNone/>
-              <a:defRPr sz="1660"/>
+            <a:lvl9pPr marL="3023372" indent="0">
+              <a:buNone/>
+              <a:defRPr sz="1653"/>
             </a:lvl9pPr>
           </a:lstStyle>
           <a:p>
@@ -2910,8 +3502,8 @@
         </p:nvSpPr>
         <p:spPr>
           <a:xfrm>
-            <a:off x="522790" y="1837849"/>
-            <a:ext cx="2447920" cy="3404842"/>
+            <a:off x="522790" y="1700689"/>
+            <a:ext cx="2447920" cy="3150737"/>
           </a:xfrm>
         </p:spPr>
         <p:txBody>
@@ -2919,39 +3511,39 @@
           <a:lstStyle>
             <a:lvl1pPr marL="0" indent="0">
               <a:buNone/>
-              <a:defRPr sz="1328"/>
+              <a:defRPr sz="1323"/>
             </a:lvl1pPr>
-            <a:lvl2pPr marL="379476" indent="0">
-              <a:buNone/>
-              <a:defRPr sz="1162"/>
+            <a:lvl2pPr marL="377922" indent="0">
+              <a:buNone/>
+              <a:defRPr sz="1157"/>
             </a:lvl2pPr>
-            <a:lvl3pPr marL="758952" indent="0">
-              <a:buNone/>
-              <a:defRPr sz="996"/>
+            <a:lvl3pPr marL="755843" indent="0">
+              <a:buNone/>
+              <a:defRPr sz="992"/>
             </a:lvl3pPr>
-            <a:lvl4pPr marL="1138428" indent="0">
-              <a:buNone/>
-              <a:defRPr sz="830"/>
+            <a:lvl4pPr marL="1133765" indent="0">
+              <a:buNone/>
+              <a:defRPr sz="827"/>
             </a:lvl4pPr>
-            <a:lvl5pPr marL="1517904" indent="0">
-              <a:buNone/>
-              <a:defRPr sz="830"/>
+            <a:lvl5pPr marL="1511686" indent="0">
+              <a:buNone/>
+              <a:defRPr sz="827"/>
             </a:lvl5pPr>
-            <a:lvl6pPr marL="1897380" indent="0">
-              <a:buNone/>
-              <a:defRPr sz="830"/>
+            <a:lvl6pPr marL="1889608" indent="0">
+              <a:buNone/>
+              <a:defRPr sz="827"/>
             </a:lvl6pPr>
-            <a:lvl7pPr marL="2276856" indent="0">
-              <a:buNone/>
-              <a:defRPr sz="830"/>
+            <a:lvl7pPr marL="2267529" indent="0">
+              <a:buNone/>
+              <a:defRPr sz="827"/>
             </a:lvl7pPr>
-            <a:lvl8pPr marL="2656332" indent="0">
-              <a:buNone/>
-              <a:defRPr sz="830"/>
+            <a:lvl8pPr marL="2645451" indent="0">
+              <a:buNone/>
+              <a:defRPr sz="827"/>
             </a:lvl8pPr>
-            <a:lvl9pPr marL="3035808" indent="0">
-              <a:buNone/>
-              <a:defRPr sz="830"/>
+            <a:lvl9pPr marL="3023372" indent="0">
+              <a:buNone/>
+              <a:defRPr sz="827"/>
             </a:lvl9pPr>
           </a:lstStyle>
           <a:p>
@@ -2980,7 +3572,7 @@
           <a:p>
             <a:fld id="{33EBA233-06BD-3443-8B71-DAD0B94A8053}" type="datetimeFigureOut">
               <a:rPr lang="en-US" smtClean="0"/>
-              <a:t>9/10/24</a:t>
+              <a:t>11/11/24</a:t>
             </a:fld>
             <a:endParaRPr lang="en-US"/>
           </a:p>
@@ -3031,7 +3623,7 @@
     </p:spTree>
     <p:extLst>
       <p:ext uri="{BB962C8B-B14F-4D97-AF65-F5344CB8AC3E}">
-        <p14:creationId xmlns:p14="http://schemas.microsoft.com/office/powerpoint/2010/main" val="1092396213"/>
+        <p14:creationId xmlns:p14="http://schemas.microsoft.com/office/powerpoint/2010/main" val="113155152"/>
       </p:ext>
     </p:extLst>
   </p:cSld>
@@ -3075,8 +3667,8 @@
         </p:nvSpPr>
         <p:spPr>
           <a:xfrm>
-            <a:off x="521802" y="326163"/>
-            <a:ext cx="6546235" cy="1184108"/>
+            <a:off x="521802" y="301821"/>
+            <a:ext cx="6546235" cy="1095737"/>
           </a:xfrm>
           <a:prstGeom prst="rect">
             <a:avLst/>
@@ -3108,8 +3700,8 @@
         </p:nvSpPr>
         <p:spPr>
           <a:xfrm>
-            <a:off x="521802" y="1630807"/>
-            <a:ext cx="6546235" cy="3886994"/>
+            <a:off x="521802" y="1509099"/>
+            <a:ext cx="6546235" cy="3596905"/>
           </a:xfrm>
           <a:prstGeom prst="rect">
             <a:avLst/>
@@ -3170,8 +3762,8 @@
         </p:nvSpPr>
         <p:spPr>
           <a:xfrm>
-            <a:off x="521801" y="5678047"/>
-            <a:ext cx="1707714" cy="326161"/>
+            <a:off x="521801" y="5254290"/>
+            <a:ext cx="1707714" cy="301820"/>
           </a:xfrm>
           <a:prstGeom prst="rect">
             <a:avLst/>
@@ -3181,7 +3773,7 @@
           <a:bodyPr vert="horz" lIns="91440" tIns="45720" rIns="91440" bIns="45720" rtlCol="0" anchor="ctr"/>
           <a:lstStyle>
             <a:lvl1pPr algn="l">
-              <a:defRPr sz="996">
+              <a:defRPr sz="992">
                 <a:solidFill>
                   <a:schemeClr val="tx1">
                     <a:tint val="82000"/>
@@ -3193,7 +3785,7 @@
           <a:p>
             <a:fld id="{33EBA233-06BD-3443-8B71-DAD0B94A8053}" type="datetimeFigureOut">
               <a:rPr lang="en-US" smtClean="0"/>
-              <a:t>9/10/24</a:t>
+              <a:t>11/11/24</a:t>
             </a:fld>
             <a:endParaRPr lang="en-US"/>
           </a:p>
@@ -3211,8 +3803,8 @@
         </p:nvSpPr>
         <p:spPr>
           <a:xfrm>
-            <a:off x="2514134" y="5678047"/>
-            <a:ext cx="2561570" cy="326161"/>
+            <a:off x="2514134" y="5254290"/>
+            <a:ext cx="2561570" cy="301820"/>
           </a:xfrm>
           <a:prstGeom prst="rect">
             <a:avLst/>
@@ -3222,7 +3814,7 @@
           <a:bodyPr vert="horz" lIns="91440" tIns="45720" rIns="91440" bIns="45720" rtlCol="0" anchor="ctr"/>
           <a:lstStyle>
             <a:lvl1pPr algn="ctr">
-              <a:defRPr sz="996">
+              <a:defRPr sz="992">
                 <a:solidFill>
                   <a:schemeClr val="tx1">
                     <a:tint val="82000"/>
@@ -3248,8 +3840,8 @@
         </p:nvSpPr>
         <p:spPr>
           <a:xfrm>
-            <a:off x="5360323" y="5678047"/>
-            <a:ext cx="1707714" cy="326161"/>
+            <a:off x="5360323" y="5254290"/>
+            <a:ext cx="1707714" cy="301820"/>
           </a:xfrm>
           <a:prstGeom prst="rect">
             <a:avLst/>
@@ -3259,7 +3851,7 @@
           <a:bodyPr vert="horz" lIns="91440" tIns="45720" rIns="91440" bIns="45720" rtlCol="0" anchor="ctr"/>
           <a:lstStyle>
             <a:lvl1pPr algn="r">
-              <a:defRPr sz="996">
+              <a:defRPr sz="992">
                 <a:solidFill>
                   <a:schemeClr val="tx1">
                     <a:tint val="82000"/>
@@ -3280,27 +3872,27 @@
     </p:spTree>
     <p:extLst>
       <p:ext uri="{BB962C8B-B14F-4D97-AF65-F5344CB8AC3E}">
-        <p14:creationId xmlns:p14="http://schemas.microsoft.com/office/powerpoint/2010/main" val="3759797833"/>
+        <p14:creationId xmlns:p14="http://schemas.microsoft.com/office/powerpoint/2010/main" val="3372252454"/>
       </p:ext>
     </p:extLst>
   </p:cSld>
   <p:clrMap bg1="lt1" tx1="dk1" bg2="lt2" tx2="dk2" accent1="accent1" accent2="accent2" accent3="accent3" accent4="accent4" accent5="accent5" accent6="accent6" hlink="hlink" folHlink="folHlink"/>
   <p:sldLayoutIdLst>
-    <p:sldLayoutId id="2147483673" r:id="rId1"/>
-    <p:sldLayoutId id="2147483674" r:id="rId2"/>
-    <p:sldLayoutId id="2147483675" r:id="rId3"/>
-    <p:sldLayoutId id="2147483676" r:id="rId4"/>
-    <p:sldLayoutId id="2147483677" r:id="rId5"/>
-    <p:sldLayoutId id="2147483678" r:id="rId6"/>
-    <p:sldLayoutId id="2147483679" r:id="rId7"/>
-    <p:sldLayoutId id="2147483680" r:id="rId8"/>
-    <p:sldLayoutId id="2147483681" r:id="rId9"/>
-    <p:sldLayoutId id="2147483682" r:id="rId10"/>
-    <p:sldLayoutId id="2147483683" r:id="rId11"/>
+    <p:sldLayoutId id="2147483685" r:id="rId1"/>
+    <p:sldLayoutId id="2147483686" r:id="rId2"/>
+    <p:sldLayoutId id="2147483687" r:id="rId3"/>
+    <p:sldLayoutId id="2147483688" r:id="rId4"/>
+    <p:sldLayoutId id="2147483689" r:id="rId5"/>
+    <p:sldLayoutId id="2147483690" r:id="rId6"/>
+    <p:sldLayoutId id="2147483691" r:id="rId7"/>
+    <p:sldLayoutId id="2147483692" r:id="rId8"/>
+    <p:sldLayoutId id="2147483693" r:id="rId9"/>
+    <p:sldLayoutId id="2147483694" r:id="rId10"/>
+    <p:sldLayoutId id="2147483695" r:id="rId11"/>
   </p:sldLayoutIdLst>
   <p:txStyles>
     <p:titleStyle>
-      <a:lvl1pPr algn="l" defTabSz="758952" rtl="0" eaLnBrk="1" latinLnBrk="0" hangingPunct="1">
+      <a:lvl1pPr algn="l" defTabSz="755843" rtl="0" eaLnBrk="1" latinLnBrk="0" hangingPunct="1">
         <a:lnSpc>
           <a:spcPct val="90000"/>
         </a:lnSpc>
@@ -3308,7 +3900,7 @@
           <a:spcPct val="0"/>
         </a:spcBef>
         <a:buNone/>
-        <a:defRPr sz="3652" kern="1200">
+        <a:defRPr sz="3637" kern="1200">
           <a:solidFill>
             <a:schemeClr val="tx1"/>
           </a:solidFill>
@@ -3319,16 +3911,16 @@
       </a:lvl1pPr>
     </p:titleStyle>
     <p:bodyStyle>
-      <a:lvl1pPr marL="189738" indent="-189738" algn="l" defTabSz="758952" rtl="0" eaLnBrk="1" latinLnBrk="0" hangingPunct="1">
+      <a:lvl1pPr marL="188961" indent="-188961" algn="l" defTabSz="755843" rtl="0" eaLnBrk="1" latinLnBrk="0" hangingPunct="1">
         <a:lnSpc>
           <a:spcPct val="90000"/>
         </a:lnSpc>
         <a:spcBef>
-          <a:spcPts val="830"/>
+          <a:spcPts val="827"/>
         </a:spcBef>
         <a:buFont typeface="Arial" panose="020B0604020202020204" pitchFamily="34" charset="0"/>
         <a:buChar char="•"/>
-        <a:defRPr sz="2324" kern="1200">
+        <a:defRPr sz="2314" kern="1200">
           <a:solidFill>
             <a:schemeClr val="tx1"/>
           </a:solidFill>
@@ -3337,16 +3929,16 @@
           <a:cs typeface="+mn-cs"/>
         </a:defRPr>
       </a:lvl1pPr>
-      <a:lvl2pPr marL="569214" indent="-189738" algn="l" defTabSz="758952" rtl="0" eaLnBrk="1" latinLnBrk="0" hangingPunct="1">
+      <a:lvl2pPr marL="566882" indent="-188961" algn="l" defTabSz="755843" rtl="0" eaLnBrk="1" latinLnBrk="0" hangingPunct="1">
         <a:lnSpc>
           <a:spcPct val="90000"/>
         </a:lnSpc>
         <a:spcBef>
-          <a:spcPts val="415"/>
+          <a:spcPts val="413"/>
         </a:spcBef>
         <a:buFont typeface="Arial" panose="020B0604020202020204" pitchFamily="34" charset="0"/>
         <a:buChar char="•"/>
-        <a:defRPr sz="1992" kern="1200">
+        <a:defRPr sz="1984" kern="1200">
           <a:solidFill>
             <a:schemeClr val="tx1"/>
           </a:solidFill>
@@ -3355,16 +3947,16 @@
           <a:cs typeface="+mn-cs"/>
         </a:defRPr>
       </a:lvl2pPr>
-      <a:lvl3pPr marL="948690" indent="-189738" algn="l" defTabSz="758952" rtl="0" eaLnBrk="1" latinLnBrk="0" hangingPunct="1">
+      <a:lvl3pPr marL="944804" indent="-188961" algn="l" defTabSz="755843" rtl="0" eaLnBrk="1" latinLnBrk="0" hangingPunct="1">
         <a:lnSpc>
           <a:spcPct val="90000"/>
         </a:lnSpc>
         <a:spcBef>
-          <a:spcPts val="415"/>
+          <a:spcPts val="413"/>
         </a:spcBef>
         <a:buFont typeface="Arial" panose="020B0604020202020204" pitchFamily="34" charset="0"/>
         <a:buChar char="•"/>
-        <a:defRPr sz="1660" kern="1200">
+        <a:defRPr sz="1653" kern="1200">
           <a:solidFill>
             <a:schemeClr val="tx1"/>
           </a:solidFill>
@@ -3373,16 +3965,16 @@
           <a:cs typeface="+mn-cs"/>
         </a:defRPr>
       </a:lvl3pPr>
-      <a:lvl4pPr marL="1328166" indent="-189738" algn="l" defTabSz="758952" rtl="0" eaLnBrk="1" latinLnBrk="0" hangingPunct="1">
+      <a:lvl4pPr marL="1322725" indent="-188961" algn="l" defTabSz="755843" rtl="0" eaLnBrk="1" latinLnBrk="0" hangingPunct="1">
         <a:lnSpc>
           <a:spcPct val="90000"/>
         </a:lnSpc>
         <a:spcBef>
-          <a:spcPts val="415"/>
+          <a:spcPts val="413"/>
         </a:spcBef>
         <a:buFont typeface="Arial" panose="020B0604020202020204" pitchFamily="34" charset="0"/>
         <a:buChar char="•"/>
-        <a:defRPr sz="1494" kern="1200">
+        <a:defRPr sz="1488" kern="1200">
           <a:solidFill>
             <a:schemeClr val="tx1"/>
           </a:solidFill>
@@ -3391,16 +3983,16 @@
           <a:cs typeface="+mn-cs"/>
         </a:defRPr>
       </a:lvl4pPr>
-      <a:lvl5pPr marL="1707642" indent="-189738" algn="l" defTabSz="758952" rtl="0" eaLnBrk="1" latinLnBrk="0" hangingPunct="1">
+      <a:lvl5pPr marL="1700647" indent="-188961" algn="l" defTabSz="755843" rtl="0" eaLnBrk="1" latinLnBrk="0" hangingPunct="1">
         <a:lnSpc>
           <a:spcPct val="90000"/>
         </a:lnSpc>
         <a:spcBef>
-          <a:spcPts val="415"/>
+          <a:spcPts val="413"/>
         </a:spcBef>
         <a:buFont typeface="Arial" panose="020B0604020202020204" pitchFamily="34" charset="0"/>
         <a:buChar char="•"/>
-        <a:defRPr sz="1494" kern="1200">
+        <a:defRPr sz="1488" kern="1200">
           <a:solidFill>
             <a:schemeClr val="tx1"/>
           </a:solidFill>
@@ -3409,16 +4001,16 @@
           <a:cs typeface="+mn-cs"/>
         </a:defRPr>
       </a:lvl5pPr>
-      <a:lvl6pPr marL="2087118" indent="-189738" algn="l" defTabSz="758952" rtl="0" eaLnBrk="1" latinLnBrk="0" hangingPunct="1">
+      <a:lvl6pPr marL="2078568" indent="-188961" algn="l" defTabSz="755843" rtl="0" eaLnBrk="1" latinLnBrk="0" hangingPunct="1">
         <a:lnSpc>
           <a:spcPct val="90000"/>
         </a:lnSpc>
         <a:spcBef>
-          <a:spcPts val="415"/>
+          <a:spcPts val="413"/>
         </a:spcBef>
         <a:buFont typeface="Arial" panose="020B0604020202020204" pitchFamily="34" charset="0"/>
         <a:buChar char="•"/>
-        <a:defRPr sz="1494" kern="1200">
+        <a:defRPr sz="1488" kern="1200">
           <a:solidFill>
             <a:schemeClr val="tx1"/>
           </a:solidFill>
@@ -3427,16 +4019,16 @@
           <a:cs typeface="+mn-cs"/>
         </a:defRPr>
       </a:lvl6pPr>
-      <a:lvl7pPr marL="2466594" indent="-189738" algn="l" defTabSz="758952" rtl="0" eaLnBrk="1" latinLnBrk="0" hangingPunct="1">
+      <a:lvl7pPr marL="2456490" indent="-188961" algn="l" defTabSz="755843" rtl="0" eaLnBrk="1" latinLnBrk="0" hangingPunct="1">
         <a:lnSpc>
           <a:spcPct val="90000"/>
         </a:lnSpc>
         <a:spcBef>
-          <a:spcPts val="415"/>
+          <a:spcPts val="413"/>
         </a:spcBef>
         <a:buFont typeface="Arial" panose="020B0604020202020204" pitchFamily="34" charset="0"/>
         <a:buChar char="•"/>
-        <a:defRPr sz="1494" kern="1200">
+        <a:defRPr sz="1488" kern="1200">
           <a:solidFill>
             <a:schemeClr val="tx1"/>
           </a:solidFill>
@@ -3445,16 +4037,16 @@
           <a:cs typeface="+mn-cs"/>
         </a:defRPr>
       </a:lvl7pPr>
-      <a:lvl8pPr marL="2846070" indent="-189738" algn="l" defTabSz="758952" rtl="0" eaLnBrk="1" latinLnBrk="0" hangingPunct="1">
+      <a:lvl8pPr marL="2834411" indent="-188961" algn="l" defTabSz="755843" rtl="0" eaLnBrk="1" latinLnBrk="0" hangingPunct="1">
         <a:lnSpc>
           <a:spcPct val="90000"/>
         </a:lnSpc>
         <a:spcBef>
-          <a:spcPts val="415"/>
+          <a:spcPts val="413"/>
         </a:spcBef>
         <a:buFont typeface="Arial" panose="020B0604020202020204" pitchFamily="34" charset="0"/>
         <a:buChar char="•"/>
-        <a:defRPr sz="1494" kern="1200">
+        <a:defRPr sz="1488" kern="1200">
           <a:solidFill>
             <a:schemeClr val="tx1"/>
           </a:solidFill>
@@ -3463,16 +4055,16 @@
           <a:cs typeface="+mn-cs"/>
         </a:defRPr>
       </a:lvl8pPr>
-      <a:lvl9pPr marL="3225546" indent="-189738" algn="l" defTabSz="758952" rtl="0" eaLnBrk="1" latinLnBrk="0" hangingPunct="1">
+      <a:lvl9pPr marL="3212333" indent="-188961" algn="l" defTabSz="755843" rtl="0" eaLnBrk="1" latinLnBrk="0" hangingPunct="1">
         <a:lnSpc>
           <a:spcPct val="90000"/>
         </a:lnSpc>
         <a:spcBef>
-          <a:spcPts val="415"/>
+          <a:spcPts val="413"/>
         </a:spcBef>
         <a:buFont typeface="Arial" panose="020B0604020202020204" pitchFamily="34" charset="0"/>
         <a:buChar char="•"/>
-        <a:defRPr sz="1494" kern="1200">
+        <a:defRPr sz="1488" kern="1200">
           <a:solidFill>
             <a:schemeClr val="tx1"/>
           </a:solidFill>
@@ -3486,8 +4078,8 @@
       <a:defPPr>
         <a:defRPr lang="en-US"/>
       </a:defPPr>
-      <a:lvl1pPr marL="0" algn="l" defTabSz="758952" rtl="0" eaLnBrk="1" latinLnBrk="0" hangingPunct="1">
-        <a:defRPr sz="1494" kern="1200">
+      <a:lvl1pPr marL="0" algn="l" defTabSz="755843" rtl="0" eaLnBrk="1" latinLnBrk="0" hangingPunct="1">
+        <a:defRPr sz="1488" kern="1200">
           <a:solidFill>
             <a:schemeClr val="tx1"/>
           </a:solidFill>
@@ -3496,8 +4088,8 @@
           <a:cs typeface="+mn-cs"/>
         </a:defRPr>
       </a:lvl1pPr>
-      <a:lvl2pPr marL="379476" algn="l" defTabSz="758952" rtl="0" eaLnBrk="1" latinLnBrk="0" hangingPunct="1">
-        <a:defRPr sz="1494" kern="1200">
+      <a:lvl2pPr marL="377922" algn="l" defTabSz="755843" rtl="0" eaLnBrk="1" latinLnBrk="0" hangingPunct="1">
+        <a:defRPr sz="1488" kern="1200">
           <a:solidFill>
             <a:schemeClr val="tx1"/>
           </a:solidFill>
@@ -3506,8 +4098,8 @@
           <a:cs typeface="+mn-cs"/>
         </a:defRPr>
       </a:lvl2pPr>
-      <a:lvl3pPr marL="758952" algn="l" defTabSz="758952" rtl="0" eaLnBrk="1" latinLnBrk="0" hangingPunct="1">
-        <a:defRPr sz="1494" kern="1200">
+      <a:lvl3pPr marL="755843" algn="l" defTabSz="755843" rtl="0" eaLnBrk="1" latinLnBrk="0" hangingPunct="1">
+        <a:defRPr sz="1488" kern="1200">
           <a:solidFill>
             <a:schemeClr val="tx1"/>
           </a:solidFill>
@@ -3516,8 +4108,8 @@
           <a:cs typeface="+mn-cs"/>
         </a:defRPr>
       </a:lvl3pPr>
-      <a:lvl4pPr marL="1138428" algn="l" defTabSz="758952" rtl="0" eaLnBrk="1" latinLnBrk="0" hangingPunct="1">
-        <a:defRPr sz="1494" kern="1200">
+      <a:lvl4pPr marL="1133765" algn="l" defTabSz="755843" rtl="0" eaLnBrk="1" latinLnBrk="0" hangingPunct="1">
+        <a:defRPr sz="1488" kern="1200">
           <a:solidFill>
             <a:schemeClr val="tx1"/>
           </a:solidFill>
@@ -3526,8 +4118,8 @@
           <a:cs typeface="+mn-cs"/>
         </a:defRPr>
       </a:lvl4pPr>
-      <a:lvl5pPr marL="1517904" algn="l" defTabSz="758952" rtl="0" eaLnBrk="1" latinLnBrk="0" hangingPunct="1">
-        <a:defRPr sz="1494" kern="1200">
+      <a:lvl5pPr marL="1511686" algn="l" defTabSz="755843" rtl="0" eaLnBrk="1" latinLnBrk="0" hangingPunct="1">
+        <a:defRPr sz="1488" kern="1200">
           <a:solidFill>
             <a:schemeClr val="tx1"/>
           </a:solidFill>
@@ -3536,8 +4128,8 @@
           <a:cs typeface="+mn-cs"/>
         </a:defRPr>
       </a:lvl5pPr>
-      <a:lvl6pPr marL="1897380" algn="l" defTabSz="758952" rtl="0" eaLnBrk="1" latinLnBrk="0" hangingPunct="1">
-        <a:defRPr sz="1494" kern="1200">
+      <a:lvl6pPr marL="1889608" algn="l" defTabSz="755843" rtl="0" eaLnBrk="1" latinLnBrk="0" hangingPunct="1">
+        <a:defRPr sz="1488" kern="1200">
           <a:solidFill>
             <a:schemeClr val="tx1"/>
           </a:solidFill>
@@ -3546,8 +4138,8 @@
           <a:cs typeface="+mn-cs"/>
         </a:defRPr>
       </a:lvl6pPr>
-      <a:lvl7pPr marL="2276856" algn="l" defTabSz="758952" rtl="0" eaLnBrk="1" latinLnBrk="0" hangingPunct="1">
-        <a:defRPr sz="1494" kern="1200">
+      <a:lvl7pPr marL="2267529" algn="l" defTabSz="755843" rtl="0" eaLnBrk="1" latinLnBrk="0" hangingPunct="1">
+        <a:defRPr sz="1488" kern="1200">
           <a:solidFill>
             <a:schemeClr val="tx1"/>
           </a:solidFill>
@@ -3556,8 +4148,8 @@
           <a:cs typeface="+mn-cs"/>
         </a:defRPr>
       </a:lvl7pPr>
-      <a:lvl8pPr marL="2656332" algn="l" defTabSz="758952" rtl="0" eaLnBrk="1" latinLnBrk="0" hangingPunct="1">
-        <a:defRPr sz="1494" kern="1200">
+      <a:lvl8pPr marL="2645451" algn="l" defTabSz="755843" rtl="0" eaLnBrk="1" latinLnBrk="0" hangingPunct="1">
+        <a:defRPr sz="1488" kern="1200">
           <a:solidFill>
             <a:schemeClr val="tx1"/>
           </a:solidFill>
@@ -3566,8 +4158,8 @@
           <a:cs typeface="+mn-cs"/>
         </a:defRPr>
       </a:lvl8pPr>
-      <a:lvl9pPr marL="3035808" algn="l" defTabSz="758952" rtl="0" eaLnBrk="1" latinLnBrk="0" hangingPunct="1">
-        <a:defRPr sz="1494" kern="1200">
+      <a:lvl9pPr marL="3023372" algn="l" defTabSz="755843" rtl="0" eaLnBrk="1" latinLnBrk="0" hangingPunct="1">
+        <a:defRPr sz="1488" kern="1200">
           <a:solidFill>
             <a:schemeClr val="tx1"/>
           </a:solidFill>
@@ -3612,7 +4204,7 @@
         </p:nvSpPr>
         <p:spPr>
           <a:xfrm>
-            <a:off x="1586657" y="4940475"/>
+            <a:off x="1586657" y="4711876"/>
             <a:ext cx="2453008" cy="1200329"/>
           </a:xfrm>
           <a:prstGeom prst="rect">
@@ -3668,7 +4260,7 @@
         </p:nvSpPr>
         <p:spPr>
           <a:xfrm>
-            <a:off x="1312338" y="5267927"/>
+            <a:off x="1312338" y="5039327"/>
             <a:ext cx="274320" cy="274320"/>
           </a:xfrm>
           <a:prstGeom prst="mathPlus">
@@ -3724,7 +4316,7 @@
         </p:nvSpPr>
         <p:spPr>
           <a:xfrm>
-            <a:off x="1312338" y="5671947"/>
+            <a:off x="1312338" y="5443347"/>
             <a:ext cx="274320" cy="274320"/>
           </a:xfrm>
           <a:prstGeom prst="mathPlus">
@@ -3780,7 +4372,7 @@
         </p:nvSpPr>
         <p:spPr>
           <a:xfrm>
-            <a:off x="1331884" y="5082718"/>
+            <a:off x="1331884" y="4854118"/>
             <a:ext cx="235228" cy="115604"/>
           </a:xfrm>
           <a:prstGeom prst="mathMinus">
@@ -3836,7 +4428,7 @@
         </p:nvSpPr>
         <p:spPr>
           <a:xfrm>
-            <a:off x="6875564" y="5363545"/>
+            <a:off x="6875564" y="5134945"/>
             <a:ext cx="235228" cy="115604"/>
           </a:xfrm>
           <a:prstGeom prst="mathMinus">
@@ -3892,7 +4484,7 @@
         </p:nvSpPr>
         <p:spPr>
           <a:xfrm>
-            <a:off x="6856018" y="4995884"/>
+            <a:off x="6856018" y="4767284"/>
             <a:ext cx="274320" cy="274320"/>
           </a:xfrm>
           <a:prstGeom prst="mathPlus">
@@ -3948,7 +4540,7 @@
         </p:nvSpPr>
         <p:spPr>
           <a:xfrm>
-            <a:off x="6879931" y="5753582"/>
+            <a:off x="6879931" y="5524982"/>
             <a:ext cx="235228" cy="115604"/>
           </a:xfrm>
           <a:prstGeom prst="mathMinus">
@@ -4004,7 +4596,7 @@
         </p:nvSpPr>
         <p:spPr>
           <a:xfrm>
-            <a:off x="4383465" y="4942944"/>
+            <a:off x="4383465" y="4714345"/>
             <a:ext cx="2485248" cy="1200329"/>
           </a:xfrm>
           <a:prstGeom prst="rect">
@@ -4063,7 +4655,7 @@
         </p:nvSpPr>
         <p:spPr>
           <a:xfrm rot="16200000">
-            <a:off x="-1121719" y="2036021"/>
+            <a:off x="-1121719" y="1807421"/>
             <a:ext cx="2811810" cy="369332"/>
           </a:xfrm>
           <a:prstGeom prst="rect">
@@ -4108,7 +4700,7 @@
         </p:blipFill>
         <p:spPr>
           <a:xfrm>
-            <a:off x="415786" y="-6156"/>
+            <a:off x="415786" y="-234756"/>
             <a:ext cx="6944810" cy="4960578"/>
           </a:xfrm>
           <a:prstGeom prst="rect">
@@ -4130,7 +4722,7 @@
         </p:nvSpPr>
         <p:spPr>
           <a:xfrm>
-            <a:off x="3969347" y="4851816"/>
+            <a:off x="3969348" y="4623216"/>
             <a:ext cx="905623" cy="369332"/>
           </a:xfrm>
           <a:prstGeom prst="rect">
@@ -4158,6 +4750,467 @@
     <p:extLst>
       <p:ext uri="{BB962C8B-B14F-4D97-AF65-F5344CB8AC3E}">
         <p14:creationId xmlns:p14="http://schemas.microsoft.com/office/powerpoint/2010/main" val="3352965152"/>
+      </p:ext>
+    </p:extLst>
+  </p:cSld>
+  <p:clrMapOvr>
+    <a:masterClrMapping/>
+  </p:clrMapOvr>
+</p:sld>
+</file>
+
+<file path=ppt/slides/slide2.xml><?xml version="1.0" encoding="utf-8"?>
+<p:sld xmlns:a="http://schemas.openxmlformats.org/drawingml/2006/main" xmlns:r="http://schemas.openxmlformats.org/officeDocument/2006/relationships" xmlns:p="http://schemas.openxmlformats.org/presentationml/2006/main">
+  <p:cSld>
+    <p:spTree>
+      <p:nvGrpSpPr>
+        <p:cNvPr id="1" name="">
+          <a:extLst>
+            <a:ext uri="{FF2B5EF4-FFF2-40B4-BE49-F238E27FC236}">
+              <a16:creationId xmlns:a16="http://schemas.microsoft.com/office/drawing/2014/main" id="{9FD51201-2BE1-AC57-D544-EB8E88D16A40}"/>
+            </a:ext>
+          </a:extLst>
+        </p:cNvPr>
+        <p:cNvGrpSpPr/>
+        <p:nvPr/>
+      </p:nvGrpSpPr>
+      <p:grpSpPr>
+        <a:xfrm>
+          <a:off x="0" y="0"/>
+          <a:ext cx="0" cy="0"/>
+          <a:chOff x="0" y="0"/>
+          <a:chExt cx="0" cy="0"/>
+        </a:xfrm>
+      </p:grpSpPr>
+      <p:sp>
+        <p:nvSpPr>
+          <p:cNvPr id="6" name="TextBox 5">
+            <a:extLst>
+              <a:ext uri="{FF2B5EF4-FFF2-40B4-BE49-F238E27FC236}">
+                <a16:creationId xmlns:a16="http://schemas.microsoft.com/office/drawing/2014/main" id="{8EFFFD72-B4F5-BC06-CF55-CE405BB24B36}"/>
+              </a:ext>
+            </a:extLst>
+          </p:cNvPr>
+          <p:cNvSpPr txBox="1"/>
+          <p:nvPr/>
+        </p:nvSpPr>
+        <p:spPr>
+          <a:xfrm>
+            <a:off x="1586657" y="4964436"/>
+            <a:ext cx="2453008" cy="646331"/>
+          </a:xfrm>
+          <a:prstGeom prst="rect">
+            <a:avLst/>
+          </a:prstGeom>
+          <a:noFill/>
+        </p:spPr>
+        <p:txBody>
+          <a:bodyPr wrap="square" rtlCol="0">
+            <a:spAutoFit/>
+          </a:bodyPr>
+          <a:lstStyle/>
+          <a:p>
+            <a:r>
+              <a:rPr lang="en-US" dirty="0">
+                <a:latin typeface="Arial" panose="020B0604020202020204" pitchFamily="34" charset="0"/>
+                <a:cs typeface="Arial" panose="020B0604020202020204" pitchFamily="34" charset="0"/>
+              </a:rPr>
+              <a:t>forest cover (%)</a:t>
+            </a:r>
+          </a:p>
+          <a:p>
+            <a:r>
+              <a:rPr lang="en-US" dirty="0">
+                <a:latin typeface="Arial" panose="020B0604020202020204" pitchFamily="34" charset="0"/>
+                <a:cs typeface="Arial" panose="020B0604020202020204" pitchFamily="34" charset="0"/>
+              </a:rPr>
+              <a:t>shrub cover (%)</a:t>
+            </a:r>
+          </a:p>
+        </p:txBody>
+      </p:sp>
+      <p:sp>
+        <p:nvSpPr>
+          <p:cNvPr id="7" name="Plus 6">
+            <a:extLst>
+              <a:ext uri="{FF2B5EF4-FFF2-40B4-BE49-F238E27FC236}">
+                <a16:creationId xmlns:a16="http://schemas.microsoft.com/office/drawing/2014/main" id="{63A3D92D-11A2-B669-B890-7C70CBC890BD}"/>
+              </a:ext>
+            </a:extLst>
+          </p:cNvPr>
+          <p:cNvSpPr/>
+          <p:nvPr/>
+        </p:nvSpPr>
+        <p:spPr>
+          <a:xfrm>
+            <a:off x="1312338" y="5291887"/>
+            <a:ext cx="274320" cy="274320"/>
+          </a:xfrm>
+          <a:prstGeom prst="mathPlus">
+            <a:avLst>
+              <a:gd name="adj1" fmla="val 11946"/>
+            </a:avLst>
+          </a:prstGeom>
+          <a:solidFill>
+            <a:schemeClr val="tx1"/>
+          </a:solidFill>
+          <a:ln>
+            <a:solidFill>
+              <a:schemeClr val="tx1"/>
+            </a:solidFill>
+          </a:ln>
+        </p:spPr>
+        <p:style>
+          <a:lnRef idx="2">
+            <a:schemeClr val="accent1">
+              <a:shade val="15000"/>
+            </a:schemeClr>
+          </a:lnRef>
+          <a:fillRef idx="1">
+            <a:schemeClr val="accent1"/>
+          </a:fillRef>
+          <a:effectRef idx="0">
+            <a:schemeClr val="accent1"/>
+          </a:effectRef>
+          <a:fontRef idx="minor">
+            <a:schemeClr val="lt1"/>
+          </a:fontRef>
+        </p:style>
+        <p:txBody>
+          <a:bodyPr rtlCol="0" anchor="ctr"/>
+          <a:lstStyle/>
+          <a:p>
+            <a:pPr algn="ctr"/>
+            <a:endParaRPr lang="en-US" dirty="0"/>
+          </a:p>
+        </p:txBody>
+      </p:sp>
+      <p:sp>
+        <p:nvSpPr>
+          <p:cNvPr id="10" name="Minus 9">
+            <a:extLst>
+              <a:ext uri="{FF2B5EF4-FFF2-40B4-BE49-F238E27FC236}">
+                <a16:creationId xmlns:a16="http://schemas.microsoft.com/office/drawing/2014/main" id="{A8096BBE-BB8F-6B93-EC2B-7A3CA2970FF5}"/>
+              </a:ext>
+            </a:extLst>
+          </p:cNvPr>
+          <p:cNvSpPr/>
+          <p:nvPr/>
+        </p:nvSpPr>
+        <p:spPr>
+          <a:xfrm>
+            <a:off x="1331884" y="5106678"/>
+            <a:ext cx="235228" cy="115604"/>
+          </a:xfrm>
+          <a:prstGeom prst="mathMinus">
+            <a:avLst>
+              <a:gd name="adj1" fmla="val 29770"/>
+            </a:avLst>
+          </a:prstGeom>
+          <a:solidFill>
+            <a:schemeClr val="tx1"/>
+          </a:solidFill>
+          <a:ln>
+            <a:solidFill>
+              <a:schemeClr val="tx1"/>
+            </a:solidFill>
+          </a:ln>
+        </p:spPr>
+        <p:style>
+          <a:lnRef idx="2">
+            <a:schemeClr val="accent1">
+              <a:shade val="15000"/>
+            </a:schemeClr>
+          </a:lnRef>
+          <a:fillRef idx="1">
+            <a:schemeClr val="accent1"/>
+          </a:fillRef>
+          <a:effectRef idx="0">
+            <a:schemeClr val="accent1"/>
+          </a:effectRef>
+          <a:fontRef idx="minor">
+            <a:schemeClr val="lt1"/>
+          </a:fontRef>
+        </p:style>
+        <p:txBody>
+          <a:bodyPr rtlCol="0" anchor="ctr"/>
+          <a:lstStyle/>
+          <a:p>
+            <a:pPr algn="ctr"/>
+            <a:endParaRPr lang="en-US"/>
+          </a:p>
+        </p:txBody>
+      </p:sp>
+      <p:sp>
+        <p:nvSpPr>
+          <p:cNvPr id="17" name="Minus 16">
+            <a:extLst>
+              <a:ext uri="{FF2B5EF4-FFF2-40B4-BE49-F238E27FC236}">
+                <a16:creationId xmlns:a16="http://schemas.microsoft.com/office/drawing/2014/main" id="{F1D5B80F-9BBF-0F4F-DA8D-1C33AFD145F2}"/>
+              </a:ext>
+            </a:extLst>
+          </p:cNvPr>
+          <p:cNvSpPr/>
+          <p:nvPr/>
+        </p:nvSpPr>
+        <p:spPr>
+          <a:xfrm>
+            <a:off x="6875564" y="5387505"/>
+            <a:ext cx="235228" cy="115604"/>
+          </a:xfrm>
+          <a:prstGeom prst="mathMinus">
+            <a:avLst>
+              <a:gd name="adj1" fmla="val 29770"/>
+            </a:avLst>
+          </a:prstGeom>
+          <a:solidFill>
+            <a:schemeClr val="tx1"/>
+          </a:solidFill>
+          <a:ln>
+            <a:solidFill>
+              <a:schemeClr val="tx1"/>
+            </a:solidFill>
+          </a:ln>
+        </p:spPr>
+        <p:style>
+          <a:lnRef idx="2">
+            <a:schemeClr val="accent1">
+              <a:shade val="15000"/>
+            </a:schemeClr>
+          </a:lnRef>
+          <a:fillRef idx="1">
+            <a:schemeClr val="accent1"/>
+          </a:fillRef>
+          <a:effectRef idx="0">
+            <a:schemeClr val="accent1"/>
+          </a:effectRef>
+          <a:fontRef idx="minor">
+            <a:schemeClr val="lt1"/>
+          </a:fontRef>
+        </p:style>
+        <p:txBody>
+          <a:bodyPr rtlCol="0" anchor="ctr"/>
+          <a:lstStyle/>
+          <a:p>
+            <a:pPr algn="ctr"/>
+            <a:endParaRPr lang="en-US"/>
+          </a:p>
+        </p:txBody>
+      </p:sp>
+      <p:sp>
+        <p:nvSpPr>
+          <p:cNvPr id="18" name="Plus 17">
+            <a:extLst>
+              <a:ext uri="{FF2B5EF4-FFF2-40B4-BE49-F238E27FC236}">
+                <a16:creationId xmlns:a16="http://schemas.microsoft.com/office/drawing/2014/main" id="{653E929C-73FF-0D67-7AF2-313480CB9F10}"/>
+              </a:ext>
+            </a:extLst>
+          </p:cNvPr>
+          <p:cNvSpPr/>
+          <p:nvPr/>
+        </p:nvSpPr>
+        <p:spPr>
+          <a:xfrm>
+            <a:off x="6856018" y="5019844"/>
+            <a:ext cx="274320" cy="274320"/>
+          </a:xfrm>
+          <a:prstGeom prst="mathPlus">
+            <a:avLst>
+              <a:gd name="adj1" fmla="val 11946"/>
+            </a:avLst>
+          </a:prstGeom>
+          <a:solidFill>
+            <a:schemeClr val="tx1"/>
+          </a:solidFill>
+          <a:ln>
+            <a:solidFill>
+              <a:schemeClr val="tx1"/>
+            </a:solidFill>
+          </a:ln>
+        </p:spPr>
+        <p:style>
+          <a:lnRef idx="2">
+            <a:schemeClr val="accent1">
+              <a:shade val="15000"/>
+            </a:schemeClr>
+          </a:lnRef>
+          <a:fillRef idx="1">
+            <a:schemeClr val="accent1"/>
+          </a:fillRef>
+          <a:effectRef idx="0">
+            <a:schemeClr val="accent1"/>
+          </a:effectRef>
+          <a:fontRef idx="minor">
+            <a:schemeClr val="lt1"/>
+          </a:fontRef>
+        </p:style>
+        <p:txBody>
+          <a:bodyPr rtlCol="0" anchor="ctr"/>
+          <a:lstStyle/>
+          <a:p>
+            <a:pPr algn="ctr"/>
+            <a:endParaRPr lang="en-US" dirty="0"/>
+          </a:p>
+        </p:txBody>
+      </p:sp>
+      <p:sp>
+        <p:nvSpPr>
+          <p:cNvPr id="23" name="TextBox 22">
+            <a:extLst>
+              <a:ext uri="{FF2B5EF4-FFF2-40B4-BE49-F238E27FC236}">
+                <a16:creationId xmlns:a16="http://schemas.microsoft.com/office/drawing/2014/main" id="{8E8D77C4-E1AD-3121-2E3F-CF286B6EEED2}"/>
+              </a:ext>
+            </a:extLst>
+          </p:cNvPr>
+          <p:cNvSpPr txBox="1"/>
+          <p:nvPr/>
+        </p:nvSpPr>
+        <p:spPr>
+          <a:xfrm>
+            <a:off x="4383465" y="4966905"/>
+            <a:ext cx="2485248" cy="646331"/>
+          </a:xfrm>
+          <a:prstGeom prst="rect">
+            <a:avLst/>
+          </a:prstGeom>
+          <a:noFill/>
+        </p:spPr>
+        <p:txBody>
+          <a:bodyPr wrap="square" rtlCol="0">
+            <a:spAutoFit/>
+          </a:bodyPr>
+          <a:lstStyle/>
+          <a:p>
+            <a:pPr algn="r"/>
+            <a:r>
+              <a:rPr lang="en-US" dirty="0">
+                <a:latin typeface="Arial" panose="020B0604020202020204" pitchFamily="34" charset="0"/>
+                <a:cs typeface="Arial" panose="020B0604020202020204" pitchFamily="34" charset="0"/>
+              </a:rPr>
+              <a:t>forest cover (%)</a:t>
+            </a:r>
+          </a:p>
+          <a:p>
+            <a:pPr algn="r"/>
+            <a:r>
+              <a:rPr lang="en-US" dirty="0">
+                <a:latin typeface="Arial" panose="020B0604020202020204" pitchFamily="34" charset="0"/>
+                <a:cs typeface="Arial" panose="020B0604020202020204" pitchFamily="34" charset="0"/>
+              </a:rPr>
+              <a:t>shrub cover (%)</a:t>
+            </a:r>
+          </a:p>
+        </p:txBody>
+      </p:sp>
+      <p:sp>
+        <p:nvSpPr>
+          <p:cNvPr id="24" name="TextBox 23">
+            <a:extLst>
+              <a:ext uri="{FF2B5EF4-FFF2-40B4-BE49-F238E27FC236}">
+                <a16:creationId xmlns:a16="http://schemas.microsoft.com/office/drawing/2014/main" id="{B93AA88E-8AF4-9A90-27E5-61415B927307}"/>
+              </a:ext>
+            </a:extLst>
+          </p:cNvPr>
+          <p:cNvSpPr txBox="1"/>
+          <p:nvPr/>
+        </p:nvSpPr>
+        <p:spPr>
+          <a:xfrm rot="16200000">
+            <a:off x="-1121719" y="2059981"/>
+            <a:ext cx="2811810" cy="369332"/>
+          </a:xfrm>
+          <a:prstGeom prst="rect">
+            <a:avLst/>
+          </a:prstGeom>
+          <a:noFill/>
+        </p:spPr>
+        <p:txBody>
+          <a:bodyPr wrap="square" rtlCol="0">
+            <a:spAutoFit/>
+          </a:bodyPr>
+          <a:lstStyle/>
+          <a:p>
+            <a:r>
+              <a:rPr lang="en-US" dirty="0">
+                <a:latin typeface="Arial" panose="020B0604020202020204" pitchFamily="34" charset="0"/>
+                <a:cs typeface="Arial" panose="020B0604020202020204" pitchFamily="34" charset="0"/>
+              </a:rPr>
+              <a:t>Average lake color (DWL)</a:t>
+            </a:r>
+          </a:p>
+        </p:txBody>
+      </p:sp>
+      <p:pic>
+        <p:nvPicPr>
+          <p:cNvPr id="5" name="Picture 4">
+            <a:extLst>
+              <a:ext uri="{FF2B5EF4-FFF2-40B4-BE49-F238E27FC236}">
+                <a16:creationId xmlns:a16="http://schemas.microsoft.com/office/drawing/2014/main" id="{7E2B1650-2A0C-F891-33AD-C550A4452AFD}"/>
+              </a:ext>
+            </a:extLst>
+          </p:cNvPr>
+          <p:cNvPicPr>
+            <a:picLocks noChangeAspect="1"/>
+          </p:cNvPicPr>
+          <p:nvPr/>
+        </p:nvPicPr>
+        <p:blipFill>
+          <a:blip r:embed="rId3"/>
+          <a:srcRect/>
+          <a:stretch/>
+        </p:blipFill>
+        <p:spPr>
+          <a:xfrm>
+            <a:off x="415787" y="17804"/>
+            <a:ext cx="6944809" cy="4960578"/>
+          </a:xfrm>
+          <a:prstGeom prst="rect">
+            <a:avLst/>
+          </a:prstGeom>
+        </p:spPr>
+      </p:pic>
+      <p:sp>
+        <p:nvSpPr>
+          <p:cNvPr id="20" name="TextBox 19">
+            <a:extLst>
+              <a:ext uri="{FF2B5EF4-FFF2-40B4-BE49-F238E27FC236}">
+                <a16:creationId xmlns:a16="http://schemas.microsoft.com/office/drawing/2014/main" id="{07FE46C8-56D5-988A-47B7-619664804EDF}"/>
+              </a:ext>
+            </a:extLst>
+          </p:cNvPr>
+          <p:cNvSpPr txBox="1"/>
+          <p:nvPr/>
+        </p:nvSpPr>
+        <p:spPr>
+          <a:xfrm>
+            <a:off x="3969348" y="4875776"/>
+            <a:ext cx="905623" cy="369332"/>
+          </a:xfrm>
+          <a:prstGeom prst="rect">
+            <a:avLst/>
+          </a:prstGeom>
+          <a:noFill/>
+        </p:spPr>
+        <p:txBody>
+          <a:bodyPr wrap="square" rtlCol="0">
+            <a:spAutoFit/>
+          </a:bodyPr>
+          <a:lstStyle/>
+          <a:p>
+            <a:r>
+              <a:rPr lang="en-US" dirty="0">
+                <a:latin typeface="Arial" panose="020B0604020202020204" pitchFamily="34" charset="0"/>
+                <a:cs typeface="Arial" panose="020B0604020202020204" pitchFamily="34" charset="0"/>
+              </a:rPr>
+              <a:t>PC4</a:t>
+            </a:r>
+          </a:p>
+        </p:txBody>
+      </p:sp>
+    </p:spTree>
+    <p:extLst>
+      <p:ext uri="{BB962C8B-B14F-4D97-AF65-F5344CB8AC3E}">
+        <p14:creationId xmlns:p14="http://schemas.microsoft.com/office/powerpoint/2010/main" val="2698683227"/>
       </p:ext>
     </p:extLst>
   </p:cSld>
